--- a/PrescribeFinalPresentation.pptx
+++ b/PrescribeFinalPresentation.pptx
@@ -293,7 +293,7 @@
             <a:fld id="{87DE6118-2437-4B30-8E3C-4D2BE6020583}" type="datetimeFigureOut">
               <a:rPr lang="en-US" dirty="0"/>
               <a:pPr/>
-              <a:t>4/23/2016</a:t>
+              <a:t>4/26/2016</a:t>
             </a:fld>
             <a:endParaRPr lang="en-US" dirty="0"/>
           </a:p>
@@ -619,7 +619,7 @@
           <a:p>
             <a:fld id="{87DE6118-2437-4B30-8E3C-4D2BE6020583}" type="datetimeFigureOut">
               <a:rPr lang="en-US" dirty="0"/>
-              <a:t>4/23/2016</a:t>
+              <a:t>4/26/2016</a:t>
             </a:fld>
             <a:endParaRPr lang="en-US" dirty="0"/>
           </a:p>
@@ -794,7 +794,7 @@
           <a:p>
             <a:fld id="{87DE6118-2437-4B30-8E3C-4D2BE6020583}" type="datetimeFigureOut">
               <a:rPr lang="en-US" dirty="0"/>
-              <a:t>4/23/2016</a:t>
+              <a:t>4/26/2016</a:t>
             </a:fld>
             <a:endParaRPr lang="en-US" dirty="0"/>
           </a:p>
@@ -959,7 +959,7 @@
           <a:p>
             <a:fld id="{87DE6118-2437-4B30-8E3C-4D2BE6020583}" type="datetimeFigureOut">
               <a:rPr lang="en-US" dirty="0"/>
-              <a:t>4/23/2016</a:t>
+              <a:t>4/26/2016</a:t>
             </a:fld>
             <a:endParaRPr lang="en-US" dirty="0"/>
           </a:p>
@@ -1232,7 +1232,7 @@
             <a:fld id="{87DE6118-2437-4B30-8E3C-4D2BE6020583}" type="datetimeFigureOut">
               <a:rPr lang="en-US" dirty="0"/>
               <a:pPr/>
-              <a:t>4/23/2016</a:t>
+              <a:t>4/26/2016</a:t>
             </a:fld>
             <a:endParaRPr lang="en-US" dirty="0"/>
           </a:p>
@@ -1622,7 +1622,7 @@
           <a:p>
             <a:fld id="{87DE6118-2437-4B30-8E3C-4D2BE6020583}" type="datetimeFigureOut">
               <a:rPr lang="en-US" dirty="0"/>
-              <a:t>4/23/2016</a:t>
+              <a:t>4/26/2016</a:t>
             </a:fld>
             <a:endParaRPr lang="en-US" dirty="0"/>
           </a:p>
@@ -2094,7 +2094,7 @@
           <a:p>
             <a:fld id="{87DE6118-2437-4B30-8E3C-4D2BE6020583}" type="datetimeFigureOut">
               <a:rPr lang="en-US" dirty="0"/>
-              <a:t>4/23/2016</a:t>
+              <a:t>4/26/2016</a:t>
             </a:fld>
             <a:endParaRPr lang="en-US" dirty="0"/>
           </a:p>
@@ -2207,7 +2207,7 @@
           <a:p>
             <a:fld id="{87DE6118-2437-4B30-8E3C-4D2BE6020583}" type="datetimeFigureOut">
               <a:rPr lang="en-US" dirty="0"/>
-              <a:t>4/23/2016</a:t>
+              <a:t>4/26/2016</a:t>
             </a:fld>
             <a:endParaRPr lang="en-US" dirty="0"/>
           </a:p>
@@ -2297,7 +2297,7 @@
           <a:p>
             <a:fld id="{87DE6118-2437-4B30-8E3C-4D2BE6020583}" type="datetimeFigureOut">
               <a:rPr lang="en-US" dirty="0"/>
-              <a:t>4/23/2016</a:t>
+              <a:t>4/26/2016</a:t>
             </a:fld>
             <a:endParaRPr lang="en-US" dirty="0"/>
           </a:p>
@@ -2639,7 +2639,7 @@
             <a:fld id="{87DE6118-2437-4B30-8E3C-4D2BE6020583}" type="datetimeFigureOut">
               <a:rPr lang="en-US" dirty="0"/>
               <a:pPr/>
-              <a:t>4/23/2016</a:t>
+              <a:t>4/26/2016</a:t>
             </a:fld>
             <a:endParaRPr lang="en-US" dirty="0"/>
           </a:p>
@@ -3024,7 +3024,7 @@
             <a:fld id="{87DE6118-2437-4B30-8E3C-4D2BE6020583}" type="datetimeFigureOut">
               <a:rPr lang="en-US" dirty="0"/>
               <a:pPr/>
-              <a:t>4/23/2016</a:t>
+              <a:t>4/26/2016</a:t>
             </a:fld>
             <a:endParaRPr lang="en-US" dirty="0"/>
           </a:p>
@@ -3299,7 +3299,7 @@
             <a:fld id="{87DE6118-2437-4B30-8E3C-4D2BE6020583}" type="datetimeFigureOut">
               <a:rPr lang="en-US" dirty="0"/>
               <a:pPr/>
-              <a:t>4/23/2016</a:t>
+              <a:t>4/26/2016</a:t>
             </a:fld>
             <a:endParaRPr lang="en-US" dirty="0"/>
           </a:p>
@@ -4483,13 +4483,8 @@
           <a:p>
             <a:r>
               <a:rPr lang="en-US" dirty="0" smtClean="0"/>
-              <a:t>APIs </a:t>
-            </a:r>
-            <a:r>
-              <a:rPr lang="en-US" dirty="0" smtClean="0"/>
-              <a:t>need to referenced </a:t>
-            </a:r>
-            <a:endParaRPr lang="en-US" dirty="0" smtClean="0"/>
+              <a:t>APIs need to referenced </a:t>
+            </a:r>
           </a:p>
           <a:p>
             <a:r>
@@ -4508,16 +4503,11 @@
               <a:rPr lang="en-US" dirty="0" smtClean="0"/>
               <a:t>May not be correct</a:t>
             </a:r>
-            <a:endParaRPr lang="en-US" dirty="0" smtClean="0"/>
           </a:p>
           <a:p>
             <a:r>
               <a:rPr lang="en-US" dirty="0" smtClean="0"/>
-              <a:t>Saving </a:t>
-            </a:r>
-            <a:r>
-              <a:rPr lang="en-US" dirty="0" smtClean="0"/>
-              <a:t>user’s information</a:t>
+              <a:t>Saving user’s information</a:t>
             </a:r>
             <a:endParaRPr lang="en-US" dirty="0"/>
           </a:p>
@@ -4850,8 +4840,20 @@
             <a:pPr lvl="1"/>
             <a:r>
               <a:rPr lang="en-US" dirty="0" smtClean="0"/>
-              <a:t>Echo Nest</a:t>
-            </a:r>
+              <a:t>Echo </a:t>
+            </a:r>
+            <a:r>
+              <a:rPr lang="en-US" dirty="0" smtClean="0"/>
+              <a:t>Nest</a:t>
+            </a:r>
+          </a:p>
+          <a:p>
+            <a:pPr lvl="1"/>
+            <a:r>
+              <a:rPr lang="en-US" dirty="0" smtClean="0"/>
+              <a:t>Scraping from Wiki</a:t>
+            </a:r>
+            <a:endParaRPr lang="en-US" dirty="0" smtClean="0"/>
           </a:p>
         </p:txBody>
       </p:sp>
@@ -5021,6 +5023,49 @@
                                           <p:spTgt spid="3">
                                             <p:txEl>
                                               <p:pRg st="2" end="2"/>
+                                            </p:txEl>
+                                          </p:spTgt>
+                                        </p:tgtEl>
+                                      </p:cBhvr>
+                                    </p:animEffect>
+                                  </p:childTnLst>
+                                </p:cTn>
+                              </p:par>
+                              <p:par>
+                                <p:cTn id="14" presetID="10" presetClass="entr" presetSubtype="0" fill="hold" grpId="0" nodeType="withEffect">
+                                  <p:stCondLst>
+                                    <p:cond delay="0"/>
+                                  </p:stCondLst>
+                                  <p:childTnLst>
+                                    <p:set>
+                                      <p:cBhvr>
+                                        <p:cTn id="15" dur="1" fill="hold">
+                                          <p:stCondLst>
+                                            <p:cond delay="0"/>
+                                          </p:stCondLst>
+                                        </p:cTn>
+                                        <p:tgtEl>
+                                          <p:spTgt spid="3">
+                                            <p:txEl>
+                                              <p:pRg st="3" end="3"/>
+                                            </p:txEl>
+                                          </p:spTgt>
+                                        </p:tgtEl>
+                                        <p:attrNameLst>
+                                          <p:attrName>style.visibility</p:attrName>
+                                        </p:attrNameLst>
+                                      </p:cBhvr>
+                                      <p:to>
+                                        <p:strVal val="visible"/>
+                                      </p:to>
+                                    </p:set>
+                                    <p:animEffect transition="in" filter="fade">
+                                      <p:cBhvr>
+                                        <p:cTn id="16" dur="500"/>
+                                        <p:tgtEl>
+                                          <p:spTgt spid="3">
+                                            <p:txEl>
+                                              <p:pRg st="3" end="3"/>
                                             </p:txEl>
                                           </p:spTgt>
                                         </p:tgtEl>
@@ -5095,6 +5140,10 @@
             <a:off x="1371600" y="971242"/>
             <a:ext cx="9601200" cy="1485900"/>
           </a:xfrm>
+          <a:scene3d>
+            <a:camera prst="isometricOffAxis2Left"/>
+            <a:lightRig rig="threePt" dir="t"/>
+          </a:scene3d>
         </p:spPr>
         <p:txBody>
           <a:bodyPr>
@@ -5104,8 +5153,26 @@
           <a:p>
             <a:pPr algn="ctr"/>
             <a:r>
-              <a:rPr lang="en-US" sz="15000" dirty="0" smtClean="0"/>
-              <a:t>product</a:t>
+              <a:rPr lang="en-US" sz="15000" b="1" dirty="0" smtClean="0">
+                <a:ln w="12700">
+                  <a:solidFill>
+                    <a:schemeClr val="accent5"/>
+                  </a:solidFill>
+                  <a:prstDash val="solid"/>
+                </a:ln>
+                <a:pattFill prst="ltDnDiag">
+                  <a:fgClr>
+                    <a:schemeClr val="accent5">
+                      <a:lumMod val="60000"/>
+                      <a:lumOff val="40000"/>
+                    </a:schemeClr>
+                  </a:fgClr>
+                  <a:bgClr>
+                    <a:schemeClr val="bg1"/>
+                  </a:bgClr>
+                </a:pattFill>
+              </a:rPr>
+              <a:t>PRODUCT</a:t>
             </a:r>
             <a:r>
               <a:rPr lang="en-US" sz="25000" dirty="0" smtClean="0"/>
@@ -5156,9 +5223,9 @@
                             </p:stCondLst>
                             <p:childTnLst>
                               <p:par>
-                                <p:cTn id="5" presetID="42" presetClass="entr" presetSubtype="0" fill="hold" grpId="0" nodeType="afterEffect">
+                                <p:cTn id="5" presetID="26" presetClass="entr" presetSubtype="0" fill="hold" grpId="0" nodeType="withEffect">
                                   <p:stCondLst>
-                                    <p:cond delay="500"/>
+                                    <p:cond delay="0"/>
                                   </p:stCondLst>
                                   <p:childTnLst>
                                     <p:set>
@@ -5179,9 +5246,13 @@
                                         <p:strVal val="visible"/>
                                       </p:to>
                                     </p:set>
-                                    <p:animEffect transition="in" filter="fade">
-                                      <p:cBhvr>
-                                        <p:cTn id="7" dur="1000"/>
+                                    <p:animEffect transition="in" filter="wipe(down)">
+                                      <p:cBhvr>
+                                        <p:cTn id="7" dur="580">
+                                          <p:stCondLst>
+                                            <p:cond delay="0"/>
+                                          </p:stCondLst>
+                                        </p:cTn>
                                         <p:tgtEl>
                                           <p:spTgt spid="2"/>
                                         </p:tgtEl>
@@ -5189,7 +5260,11 @@
                                     </p:animEffect>
                                     <p:anim calcmode="lin" valueType="num">
                                       <p:cBhvr>
-                                        <p:cTn id="8" dur="1000" fill="hold"/>
+                                        <p:cTn id="8" dur="1822" tmFilter="0,0; 0.14,0.36; 0.43,0.73; 0.71,0.91; 1.0,1.0">
+                                          <p:stCondLst>
+                                            <p:cond delay="0"/>
+                                          </p:stCondLst>
+                                        </p:cTn>
                                         <p:tgtEl>
                                           <p:spTgt spid="2"/>
                                         </p:tgtEl>
@@ -5200,7 +5275,7 @@
                                       <p:tavLst>
                                         <p:tav tm="0">
                                           <p:val>
-                                            <p:strVal val="#ppt_x"/>
+                                            <p:strVal val="#ppt_x-0.25"/>
                                           </p:val>
                                         </p:tav>
                                         <p:tav tm="100000">
@@ -5212,7 +5287,11 @@
                                     </p:anim>
                                     <p:anim calcmode="lin" valueType="num">
                                       <p:cBhvr>
-                                        <p:cTn id="9" dur="1000" fill="hold"/>
+                                        <p:cTn id="9" dur="664" tmFilter="0.0,0.0; 0.25,0.07; 0.50,0.2; 0.75,0.467; 1.0,1.0">
+                                          <p:stCondLst>
+                                            <p:cond delay="0"/>
+                                          </p:stCondLst>
+                                        </p:cTn>
                                         <p:tgtEl>
                                           <p:spTgt spid="2"/>
                                         </p:tgtEl>
@@ -5221,18 +5300,203 @@
                                         </p:attrNameLst>
                                       </p:cBhvr>
                                       <p:tavLst>
-                                        <p:tav tm="0">
+                                        <p:tav tm="0" fmla="#ppt_y-sin(pi*$)/3">
                                           <p:val>
-                                            <p:strVal val="#ppt_y+.1"/>
+                                            <p:fltVal val="0.5"/>
                                           </p:val>
                                         </p:tav>
                                         <p:tav tm="100000">
                                           <p:val>
-                                            <p:strVal val="#ppt_y"/>
+                                            <p:fltVal val="1"/>
                                           </p:val>
                                         </p:tav>
                                       </p:tavLst>
                                     </p:anim>
+                                    <p:anim calcmode="lin" valueType="num">
+                                      <p:cBhvr>
+                                        <p:cTn id="10" dur="664" tmFilter="0, 0; 0.125,0.2665; 0.25,0.4; 0.375,0.465; 0.5,0.5;  0.625,0.535; 0.75,0.6; 0.875,0.7335; 1,1">
+                                          <p:stCondLst>
+                                            <p:cond delay="664"/>
+                                          </p:stCondLst>
+                                        </p:cTn>
+                                        <p:tgtEl>
+                                          <p:spTgt spid="2"/>
+                                        </p:tgtEl>
+                                        <p:attrNameLst>
+                                          <p:attrName>ppt_y</p:attrName>
+                                        </p:attrNameLst>
+                                      </p:cBhvr>
+                                      <p:tavLst>
+                                        <p:tav tm="0" fmla="#ppt_y-sin(pi*$)/9">
+                                          <p:val>
+                                            <p:fltVal val="0"/>
+                                          </p:val>
+                                        </p:tav>
+                                        <p:tav tm="100000">
+                                          <p:val>
+                                            <p:fltVal val="1"/>
+                                          </p:val>
+                                        </p:tav>
+                                      </p:tavLst>
+                                    </p:anim>
+                                    <p:anim calcmode="lin" valueType="num">
+                                      <p:cBhvr>
+                                        <p:cTn id="11" dur="332" tmFilter="0, 0; 0.125,0.2665; 0.25,0.4; 0.375,0.465; 0.5,0.5;  0.625,0.535; 0.75,0.6; 0.875,0.7335; 1,1">
+                                          <p:stCondLst>
+                                            <p:cond delay="1324"/>
+                                          </p:stCondLst>
+                                        </p:cTn>
+                                        <p:tgtEl>
+                                          <p:spTgt spid="2"/>
+                                        </p:tgtEl>
+                                        <p:attrNameLst>
+                                          <p:attrName>ppt_y</p:attrName>
+                                        </p:attrNameLst>
+                                      </p:cBhvr>
+                                      <p:tavLst>
+                                        <p:tav tm="0" fmla="#ppt_y-sin(pi*$)/27">
+                                          <p:val>
+                                            <p:fltVal val="0"/>
+                                          </p:val>
+                                        </p:tav>
+                                        <p:tav tm="100000">
+                                          <p:val>
+                                            <p:fltVal val="1"/>
+                                          </p:val>
+                                        </p:tav>
+                                      </p:tavLst>
+                                    </p:anim>
+                                    <p:anim calcmode="lin" valueType="num">
+                                      <p:cBhvr>
+                                        <p:cTn id="12" dur="164" tmFilter="0, 0; 0.125,0.2665; 0.25,0.4; 0.375,0.465; 0.5,0.5;  0.625,0.535; 0.75,0.6; 0.875,0.7335; 1,1">
+                                          <p:stCondLst>
+                                            <p:cond delay="1656"/>
+                                          </p:stCondLst>
+                                        </p:cTn>
+                                        <p:tgtEl>
+                                          <p:spTgt spid="2"/>
+                                        </p:tgtEl>
+                                        <p:attrNameLst>
+                                          <p:attrName>ppt_y</p:attrName>
+                                        </p:attrNameLst>
+                                      </p:cBhvr>
+                                      <p:tavLst>
+                                        <p:tav tm="0" fmla="#ppt_y-sin(pi*$)/81">
+                                          <p:val>
+                                            <p:fltVal val="0"/>
+                                          </p:val>
+                                        </p:tav>
+                                        <p:tav tm="100000">
+                                          <p:val>
+                                            <p:fltVal val="1"/>
+                                          </p:val>
+                                        </p:tav>
+                                      </p:tavLst>
+                                    </p:anim>
+                                    <p:animScale>
+                                      <p:cBhvr>
+                                        <p:cTn id="13" dur="26">
+                                          <p:stCondLst>
+                                            <p:cond delay="650"/>
+                                          </p:stCondLst>
+                                        </p:cTn>
+                                        <p:tgtEl>
+                                          <p:spTgt spid="2"/>
+                                        </p:tgtEl>
+                                      </p:cBhvr>
+                                      <p:to x="100000" y="60000"/>
+                                    </p:animScale>
+                                    <p:animScale>
+                                      <p:cBhvr>
+                                        <p:cTn id="14" dur="166" decel="50000">
+                                          <p:stCondLst>
+                                            <p:cond delay="676"/>
+                                          </p:stCondLst>
+                                        </p:cTn>
+                                        <p:tgtEl>
+                                          <p:spTgt spid="2"/>
+                                        </p:tgtEl>
+                                      </p:cBhvr>
+                                      <p:to x="100000" y="100000"/>
+                                    </p:animScale>
+                                    <p:animScale>
+                                      <p:cBhvr>
+                                        <p:cTn id="15" dur="26">
+                                          <p:stCondLst>
+                                            <p:cond delay="1312"/>
+                                          </p:stCondLst>
+                                        </p:cTn>
+                                        <p:tgtEl>
+                                          <p:spTgt spid="2"/>
+                                        </p:tgtEl>
+                                      </p:cBhvr>
+                                      <p:to x="100000" y="80000"/>
+                                    </p:animScale>
+                                    <p:animScale>
+                                      <p:cBhvr>
+                                        <p:cTn id="16" dur="166" decel="50000">
+                                          <p:stCondLst>
+                                            <p:cond delay="1338"/>
+                                          </p:stCondLst>
+                                        </p:cTn>
+                                        <p:tgtEl>
+                                          <p:spTgt spid="2"/>
+                                        </p:tgtEl>
+                                      </p:cBhvr>
+                                      <p:to x="100000" y="100000"/>
+                                    </p:animScale>
+                                    <p:animScale>
+                                      <p:cBhvr>
+                                        <p:cTn id="17" dur="26">
+                                          <p:stCondLst>
+                                            <p:cond delay="1642"/>
+                                          </p:stCondLst>
+                                        </p:cTn>
+                                        <p:tgtEl>
+                                          <p:spTgt spid="2"/>
+                                        </p:tgtEl>
+                                      </p:cBhvr>
+                                      <p:to x="100000" y="90000"/>
+                                    </p:animScale>
+                                    <p:animScale>
+                                      <p:cBhvr>
+                                        <p:cTn id="18" dur="166" decel="50000">
+                                          <p:stCondLst>
+                                            <p:cond delay="1668"/>
+                                          </p:stCondLst>
+                                        </p:cTn>
+                                        <p:tgtEl>
+                                          <p:spTgt spid="2"/>
+                                        </p:tgtEl>
+                                      </p:cBhvr>
+                                      <p:to x="100000" y="100000"/>
+                                    </p:animScale>
+                                    <p:animScale>
+                                      <p:cBhvr>
+                                        <p:cTn id="19" dur="26">
+                                          <p:stCondLst>
+                                            <p:cond delay="1808"/>
+                                          </p:stCondLst>
+                                        </p:cTn>
+                                        <p:tgtEl>
+                                          <p:spTgt spid="2"/>
+                                        </p:tgtEl>
+                                      </p:cBhvr>
+                                      <p:to x="100000" y="95000"/>
+                                    </p:animScale>
+                                    <p:animScale>
+                                      <p:cBhvr>
+                                        <p:cTn id="20" dur="166" decel="50000">
+                                          <p:stCondLst>
+                                            <p:cond delay="1834"/>
+                                          </p:stCondLst>
+                                        </p:cTn>
+                                        <p:tgtEl>
+                                          <p:spTgt spid="2"/>
+                                        </p:tgtEl>
+                                      </p:cBhvr>
+                                      <p:to x="100000" y="100000"/>
+                                    </p:animScale>
                                   </p:childTnLst>
                                 </p:cTn>
                               </p:par>
@@ -5697,54 +5961,104 @@
             <p:ph type="title"/>
           </p:nvPr>
         </p:nvSpPr>
-        <p:spPr/>
+        <p:spPr>
+          <a:xfrm>
+            <a:off x="868680" y="1298448"/>
+            <a:ext cx="9601200" cy="1485900"/>
+          </a:xfrm>
+        </p:spPr>
         <p:txBody>
           <a:bodyPr>
-            <a:normAutofit fontScale="90000"/>
+            <a:normAutofit/>
           </a:bodyPr>
           <a:lstStyle/>
           <a:p>
             <a:r>
               <a:rPr lang="en-US" dirty="0" smtClean="0"/>
-              <a:t>Work breakdown structure,</a:t>
+              <a:t>Work </a:t>
+            </a:r>
+            <a:r>
+              <a:rPr lang="en-US" dirty="0" smtClean="0"/>
+              <a:t>Breakdown </a:t>
+            </a:r>
+            <a:r>
+              <a:rPr lang="en-US" dirty="0"/>
+              <a:t>S</a:t>
+            </a:r>
+            <a:r>
+              <a:rPr lang="en-US" dirty="0" smtClean="0"/>
+              <a:t>tructure</a:t>
             </a:r>
             <a:br>
               <a:rPr lang="en-US" dirty="0" smtClean="0"/>
             </a:br>
             <a:r>
               <a:rPr lang="en-US" dirty="0" smtClean="0"/>
-              <a:t>Responsibility Matrix, </a:t>
-            </a:r>
-            <a:br>
-              <a:rPr lang="en-US" dirty="0" smtClean="0"/>
-            </a:br>
-            <a:r>
-              <a:rPr lang="en-US" dirty="0" smtClean="0"/>
-              <a:t>Gantt Chart</a:t>
+              <a:t>and Gantt Chart</a:t>
             </a:r>
             <a:endParaRPr lang="en-US" dirty="0"/>
           </a:p>
         </p:txBody>
       </p:sp>
-      <p:sp>
-        <p:nvSpPr>
-          <p:cNvPr id="3" name="Content Placeholder 2"/>
-          <p:cNvSpPr>
-            <a:spLocks noGrp="1"/>
-          </p:cNvSpPr>
+      <p:pic>
+        <p:nvPicPr>
+          <p:cNvPr id="5" name="Content Placeholder 4"/>
+          <p:cNvPicPr>
+            <a:picLocks noGrp="1" noChangeAspect="1"/>
+          </p:cNvPicPr>
           <p:nvPr>
             <p:ph idx="1"/>
           </p:nvPr>
-        </p:nvSpPr>
-        <p:spPr/>
-        <p:txBody>
-          <a:bodyPr/>
-          <a:lstStyle/>
-          <a:p>
-            <a:endParaRPr lang="en-US" dirty="0"/>
-          </a:p>
-        </p:txBody>
-      </p:sp>
+        </p:nvPicPr>
+        <p:blipFill>
+          <a:blip r:embed="rId2">
+            <a:extLst>
+              <a:ext uri="{28A0092B-C50C-407E-A947-70E740481C1C}">
+                <a14:useLocalDpi xmlns:a14="http://schemas.microsoft.com/office/drawing/2010/main" val="0"/>
+              </a:ext>
+            </a:extLst>
+          </a:blip>
+          <a:stretch>
+            <a:fillRect/>
+          </a:stretch>
+        </p:blipFill>
+        <p:spPr>
+          <a:xfrm>
+            <a:off x="7457164" y="381000"/>
+            <a:ext cx="4032039" cy="3581400"/>
+          </a:xfrm>
+        </p:spPr>
+      </p:pic>
+      <p:pic>
+        <p:nvPicPr>
+          <p:cNvPr id="6" name="Picture 5"/>
+          <p:cNvPicPr>
+            <a:picLocks noChangeAspect="1"/>
+          </p:cNvPicPr>
+          <p:nvPr/>
+        </p:nvPicPr>
+        <p:blipFill>
+          <a:blip r:embed="rId3">
+            <a:extLst>
+              <a:ext uri="{28A0092B-C50C-407E-A947-70E740481C1C}">
+                <a14:useLocalDpi xmlns:a14="http://schemas.microsoft.com/office/drawing/2010/main" val="0"/>
+              </a:ext>
+            </a:extLst>
+          </a:blip>
+          <a:stretch>
+            <a:fillRect/>
+          </a:stretch>
+        </p:blipFill>
+        <p:spPr>
+          <a:xfrm>
+            <a:off x="0" y="4360164"/>
+            <a:ext cx="12192000" cy="2678680"/>
+          </a:xfrm>
+          <a:prstGeom prst="rect">
+            <a:avLst/>
+          </a:prstGeom>
+        </p:spPr>
+      </p:pic>
     </p:spTree>
     <p:extLst>
       <p:ext uri="{BB962C8B-B14F-4D97-AF65-F5344CB8AC3E}">
@@ -5770,7 +6084,130 @@
   <p:timing>
     <p:tnLst>
       <p:par>
-        <p:cTn id="1" dur="indefinite" restart="never" nodeType="tmRoot"/>
+        <p:cTn id="1" dur="indefinite" restart="never" nodeType="tmRoot">
+          <p:childTnLst>
+            <p:seq concurrent="1" nextAc="seek">
+              <p:cTn id="2" dur="indefinite" nodeType="mainSeq">
+                <p:childTnLst>
+                  <p:par>
+                    <p:cTn id="3" fill="hold">
+                      <p:stCondLst>
+                        <p:cond delay="indefinite"/>
+                        <p:cond evt="onBegin" delay="0">
+                          <p:tn val="2"/>
+                        </p:cond>
+                      </p:stCondLst>
+                      <p:childTnLst>
+                        <p:par>
+                          <p:cTn id="4" fill="hold">
+                            <p:stCondLst>
+                              <p:cond delay="0"/>
+                            </p:stCondLst>
+                            <p:childTnLst>
+                              <p:par>
+                                <p:cTn id="5" presetID="10" presetClass="entr" presetSubtype="0" fill="hold" nodeType="afterEffect">
+                                  <p:stCondLst>
+                                    <p:cond delay="0"/>
+                                  </p:stCondLst>
+                                  <p:childTnLst>
+                                    <p:set>
+                                      <p:cBhvr>
+                                        <p:cTn id="6" dur="1" fill="hold">
+                                          <p:stCondLst>
+                                            <p:cond delay="0"/>
+                                          </p:stCondLst>
+                                        </p:cTn>
+                                        <p:tgtEl>
+                                          <p:spTgt spid="5"/>
+                                        </p:tgtEl>
+                                        <p:attrNameLst>
+                                          <p:attrName>style.visibility</p:attrName>
+                                        </p:attrNameLst>
+                                      </p:cBhvr>
+                                      <p:to>
+                                        <p:strVal val="visible"/>
+                                      </p:to>
+                                    </p:set>
+                                    <p:animEffect transition="in" filter="fade">
+                                      <p:cBhvr>
+                                        <p:cTn id="7" dur="500"/>
+                                        <p:tgtEl>
+                                          <p:spTgt spid="5"/>
+                                        </p:tgtEl>
+                                      </p:cBhvr>
+                                    </p:animEffect>
+                                  </p:childTnLst>
+                                </p:cTn>
+                              </p:par>
+                            </p:childTnLst>
+                          </p:cTn>
+                        </p:par>
+                        <p:par>
+                          <p:cTn id="8" fill="hold">
+                            <p:stCondLst>
+                              <p:cond delay="500"/>
+                            </p:stCondLst>
+                            <p:childTnLst>
+                              <p:par>
+                                <p:cTn id="9" presetID="10" presetClass="entr" presetSubtype="0" fill="hold" nodeType="afterEffect">
+                                  <p:stCondLst>
+                                    <p:cond delay="0"/>
+                                  </p:stCondLst>
+                                  <p:childTnLst>
+                                    <p:set>
+                                      <p:cBhvr>
+                                        <p:cTn id="10" dur="1" fill="hold">
+                                          <p:stCondLst>
+                                            <p:cond delay="0"/>
+                                          </p:stCondLst>
+                                        </p:cTn>
+                                        <p:tgtEl>
+                                          <p:spTgt spid="6"/>
+                                        </p:tgtEl>
+                                        <p:attrNameLst>
+                                          <p:attrName>style.visibility</p:attrName>
+                                        </p:attrNameLst>
+                                      </p:cBhvr>
+                                      <p:to>
+                                        <p:strVal val="visible"/>
+                                      </p:to>
+                                    </p:set>
+                                    <p:animEffect transition="in" filter="fade">
+                                      <p:cBhvr>
+                                        <p:cTn id="11" dur="500"/>
+                                        <p:tgtEl>
+                                          <p:spTgt spid="6"/>
+                                        </p:tgtEl>
+                                      </p:cBhvr>
+                                    </p:animEffect>
+                                  </p:childTnLst>
+                                </p:cTn>
+                              </p:par>
+                            </p:childTnLst>
+                          </p:cTn>
+                        </p:par>
+                      </p:childTnLst>
+                    </p:cTn>
+                  </p:par>
+                </p:childTnLst>
+              </p:cTn>
+              <p:prevCondLst>
+                <p:cond evt="onPrev" delay="0">
+                  <p:tgtEl>
+                    <p:sldTgt/>
+                  </p:tgtEl>
+                </p:cond>
+              </p:prevCondLst>
+              <p:nextCondLst>
+                <p:cond evt="onNext" delay="0">
+                  <p:tgtEl>
+                    <p:sldTgt/>
+                  </p:tgtEl>
+                </p:cond>
+              </p:nextCondLst>
+            </p:seq>
+          </p:childTnLst>
+        </p:cTn>
       </p:par>
     </p:tnLst>
   </p:timing>
@@ -6599,7 +7036,11 @@
           <a:p>
             <a:r>
               <a:rPr lang="en-US" dirty="0" smtClean="0"/>
-              <a:t>Lines of Code, Number of Classes</a:t>
+              <a:t>Lines of </a:t>
+            </a:r>
+            <a:r>
+              <a:rPr lang="en-US" dirty="0" smtClean="0"/>
+              <a:t>Code</a:t>
             </a:r>
             <a:endParaRPr lang="en-US" dirty="0"/>
           </a:p>
@@ -6735,6 +7176,916 @@
             <a:endParaRPr lang="en-US" dirty="0" smtClean="0"/>
           </a:p>
           <a:p>
+            <a:endParaRPr lang="en-US" dirty="0"/>
+          </a:p>
+        </p:txBody>
+      </p:sp>
+      <p:graphicFrame>
+        <p:nvGraphicFramePr>
+          <p:cNvPr id="4" name="Table 3"/>
+          <p:cNvGraphicFramePr>
+            <a:graphicFrameLocks noGrp="1"/>
+          </p:cNvGraphicFramePr>
+          <p:nvPr>
+            <p:extLst>
+              <p:ext uri="{D42A27DB-BD31-4B8C-83A1-F6EECF244321}">
+                <p14:modId xmlns:p14="http://schemas.microsoft.com/office/powerpoint/2010/main" val="3762701199"/>
+              </p:ext>
+            </p:extLst>
+          </p:nvPr>
+        </p:nvGraphicFramePr>
+        <p:xfrm>
+          <a:off x="5833745" y="2066081"/>
+          <a:ext cx="6125210" cy="3279204"/>
+        </p:xfrm>
+        <a:graphic>
+          <a:graphicData uri="http://schemas.openxmlformats.org/drawingml/2006/table">
+            <a:tbl>
+              <a:tblPr firstRow="1" firstCol="1" bandRow="1">
+                <a:tableStyleId>{5C22544A-7EE6-4342-B048-85BDC9FD1C3A}</a:tableStyleId>
+              </a:tblPr>
+              <a:tblGrid>
+                <a:gridCol w="1530985"/>
+                <a:gridCol w="1530985"/>
+                <a:gridCol w="1531620"/>
+                <a:gridCol w="1531620"/>
+              </a:tblGrid>
+              <a:tr h="488950">
+                <a:tc>
+                  <a:txBody>
+                    <a:bodyPr/>
+                    <a:lstStyle/>
+                    <a:p>
+                      <a:pPr marL="0" marR="0">
+                        <a:lnSpc>
+                          <a:spcPct val="107000"/>
+                        </a:lnSpc>
+                        <a:spcBef>
+                          <a:spcPts val="0"/>
+                        </a:spcBef>
+                        <a:spcAft>
+                          <a:spcPts val="0"/>
+                        </a:spcAft>
+                      </a:pPr>
+                      <a:r>
+                        <a:rPr lang="en-US" sz="1600" dirty="0">
+                          <a:effectLst/>
+                        </a:rPr>
+                        <a:t>Functions</a:t>
+                      </a:r>
+                      <a:endParaRPr lang="en-US" sz="1100" dirty="0">
+                        <a:effectLst/>
+                      </a:endParaRPr>
+                    </a:p>
+                    <a:p>
+                      <a:pPr marL="0" marR="0">
+                        <a:lnSpc>
+                          <a:spcPct val="107000"/>
+                        </a:lnSpc>
+                        <a:spcBef>
+                          <a:spcPts val="0"/>
+                        </a:spcBef>
+                        <a:spcAft>
+                          <a:spcPts val="0"/>
+                        </a:spcAft>
+                      </a:pPr>
+                      <a:r>
+                        <a:rPr lang="en-US" sz="2000" dirty="0">
+                          <a:effectLst/>
+                        </a:rPr>
+                        <a:t> </a:t>
+                      </a:r>
+                      <a:endParaRPr lang="en-US" sz="1100" dirty="0">
+                        <a:effectLst/>
+                        <a:latin typeface="Calibri" panose="020F0502020204030204" pitchFamily="34" charset="0"/>
+                        <a:ea typeface="Calibri" panose="020F0502020204030204" pitchFamily="34" charset="0"/>
+                        <a:cs typeface="Times New Roman" panose="02020603050405020304" pitchFamily="18" charset="0"/>
+                      </a:endParaRPr>
+                    </a:p>
+                  </a:txBody>
+                  <a:tcPr marL="68580" marR="68580" marT="0" marB="0"/>
+                </a:tc>
+                <a:tc>
+                  <a:txBody>
+                    <a:bodyPr/>
+                    <a:lstStyle/>
+                    <a:p>
+                      <a:pPr marL="0" marR="0">
+                        <a:lnSpc>
+                          <a:spcPct val="107000"/>
+                        </a:lnSpc>
+                        <a:spcBef>
+                          <a:spcPts val="0"/>
+                        </a:spcBef>
+                        <a:spcAft>
+                          <a:spcPts val="0"/>
+                        </a:spcAft>
+                      </a:pPr>
+                      <a:r>
+                        <a:rPr lang="en-US" sz="1600">
+                          <a:effectLst/>
+                        </a:rPr>
+                        <a:t>Good LOC Est.</a:t>
+                      </a:r>
+                      <a:endParaRPr lang="en-US" sz="1100">
+                        <a:effectLst/>
+                        <a:latin typeface="Calibri" panose="020F0502020204030204" pitchFamily="34" charset="0"/>
+                        <a:ea typeface="Calibri" panose="020F0502020204030204" pitchFamily="34" charset="0"/>
+                        <a:cs typeface="Times New Roman" panose="02020603050405020304" pitchFamily="18" charset="0"/>
+                      </a:endParaRPr>
+                    </a:p>
+                  </a:txBody>
+                  <a:tcPr marL="68580" marR="68580" marT="0" marB="0"/>
+                </a:tc>
+                <a:tc>
+                  <a:txBody>
+                    <a:bodyPr/>
+                    <a:lstStyle/>
+                    <a:p>
+                      <a:pPr marL="0" marR="0">
+                        <a:lnSpc>
+                          <a:spcPct val="107000"/>
+                        </a:lnSpc>
+                        <a:spcBef>
+                          <a:spcPts val="0"/>
+                        </a:spcBef>
+                        <a:spcAft>
+                          <a:spcPts val="0"/>
+                        </a:spcAft>
+                      </a:pPr>
+                      <a:r>
+                        <a:rPr lang="en-US" sz="1600">
+                          <a:effectLst/>
+                        </a:rPr>
+                        <a:t>Average LOC Est.</a:t>
+                      </a:r>
+                      <a:endParaRPr lang="en-US" sz="1100">
+                        <a:effectLst/>
+                        <a:latin typeface="Calibri" panose="020F0502020204030204" pitchFamily="34" charset="0"/>
+                        <a:ea typeface="Calibri" panose="020F0502020204030204" pitchFamily="34" charset="0"/>
+                        <a:cs typeface="Times New Roman" panose="02020603050405020304" pitchFamily="18" charset="0"/>
+                      </a:endParaRPr>
+                    </a:p>
+                  </a:txBody>
+                  <a:tcPr marL="68580" marR="68580" marT="0" marB="0"/>
+                </a:tc>
+                <a:tc>
+                  <a:txBody>
+                    <a:bodyPr/>
+                    <a:lstStyle/>
+                    <a:p>
+                      <a:pPr marL="0" marR="0">
+                        <a:lnSpc>
+                          <a:spcPct val="107000"/>
+                        </a:lnSpc>
+                        <a:spcBef>
+                          <a:spcPts val="0"/>
+                        </a:spcBef>
+                        <a:spcAft>
+                          <a:spcPts val="0"/>
+                        </a:spcAft>
+                      </a:pPr>
+                      <a:r>
+                        <a:rPr lang="en-US" sz="1600">
+                          <a:effectLst/>
+                        </a:rPr>
+                        <a:t>Bad LOC Est.</a:t>
+                      </a:r>
+                      <a:endParaRPr lang="en-US" sz="1100">
+                        <a:effectLst/>
+                        <a:latin typeface="Calibri" panose="020F0502020204030204" pitchFamily="34" charset="0"/>
+                        <a:ea typeface="Calibri" panose="020F0502020204030204" pitchFamily="34" charset="0"/>
+                        <a:cs typeface="Times New Roman" panose="02020603050405020304" pitchFamily="18" charset="0"/>
+                      </a:endParaRPr>
+                    </a:p>
+                  </a:txBody>
+                  <a:tcPr marL="68580" marR="68580" marT="0" marB="0"/>
+                </a:tc>
+              </a:tr>
+              <a:tr h="470535">
+                <a:tc>
+                  <a:txBody>
+                    <a:bodyPr/>
+                    <a:lstStyle/>
+                    <a:p>
+                      <a:pPr marL="0" marR="0">
+                        <a:lnSpc>
+                          <a:spcPct val="107000"/>
+                        </a:lnSpc>
+                        <a:spcBef>
+                          <a:spcPts val="0"/>
+                        </a:spcBef>
+                        <a:spcAft>
+                          <a:spcPts val="0"/>
+                        </a:spcAft>
+                      </a:pPr>
+                      <a:r>
+                        <a:rPr lang="en-US" sz="1600">
+                          <a:effectLst/>
+                        </a:rPr>
+                        <a:t>GUI</a:t>
+                      </a:r>
+                      <a:endParaRPr lang="en-US" sz="1100">
+                        <a:effectLst/>
+                        <a:latin typeface="Calibri" panose="020F0502020204030204" pitchFamily="34" charset="0"/>
+                        <a:ea typeface="Calibri" panose="020F0502020204030204" pitchFamily="34" charset="0"/>
+                        <a:cs typeface="Times New Roman" panose="02020603050405020304" pitchFamily="18" charset="0"/>
+                      </a:endParaRPr>
+                    </a:p>
+                  </a:txBody>
+                  <a:tcPr marL="68580" marR="68580" marT="0" marB="0"/>
+                </a:tc>
+                <a:tc>
+                  <a:txBody>
+                    <a:bodyPr/>
+                    <a:lstStyle/>
+                    <a:p>
+                      <a:pPr marL="0" marR="0" algn="ctr">
+                        <a:lnSpc>
+                          <a:spcPct val="107000"/>
+                        </a:lnSpc>
+                        <a:spcBef>
+                          <a:spcPts val="0"/>
+                        </a:spcBef>
+                        <a:spcAft>
+                          <a:spcPts val="0"/>
+                        </a:spcAft>
+                      </a:pPr>
+                      <a:r>
+                        <a:rPr lang="en-US" sz="1600">
+                          <a:effectLst/>
+                        </a:rPr>
+                        <a:t>250</a:t>
+                      </a:r>
+                      <a:endParaRPr lang="en-US" sz="1100">
+                        <a:effectLst/>
+                        <a:latin typeface="Calibri" panose="020F0502020204030204" pitchFamily="34" charset="0"/>
+                        <a:ea typeface="Calibri" panose="020F0502020204030204" pitchFamily="34" charset="0"/>
+                        <a:cs typeface="Times New Roman" panose="02020603050405020304" pitchFamily="18" charset="0"/>
+                      </a:endParaRPr>
+                    </a:p>
+                  </a:txBody>
+                  <a:tcPr marL="68580" marR="68580" marT="0" marB="0"/>
+                </a:tc>
+                <a:tc>
+                  <a:txBody>
+                    <a:bodyPr/>
+                    <a:lstStyle/>
+                    <a:p>
+                      <a:pPr marL="0" marR="0" algn="ctr">
+                        <a:lnSpc>
+                          <a:spcPct val="107000"/>
+                        </a:lnSpc>
+                        <a:spcBef>
+                          <a:spcPts val="0"/>
+                        </a:spcBef>
+                        <a:spcAft>
+                          <a:spcPts val="0"/>
+                        </a:spcAft>
+                      </a:pPr>
+                      <a:r>
+                        <a:rPr lang="en-US" sz="1600">
+                          <a:effectLst/>
+                        </a:rPr>
+                        <a:t>500</a:t>
+                      </a:r>
+                      <a:endParaRPr lang="en-US" sz="1100">
+                        <a:effectLst/>
+                        <a:latin typeface="Calibri" panose="020F0502020204030204" pitchFamily="34" charset="0"/>
+                        <a:ea typeface="Calibri" panose="020F0502020204030204" pitchFamily="34" charset="0"/>
+                        <a:cs typeface="Times New Roman" panose="02020603050405020304" pitchFamily="18" charset="0"/>
+                      </a:endParaRPr>
+                    </a:p>
+                  </a:txBody>
+                  <a:tcPr marL="68580" marR="68580" marT="0" marB="0"/>
+                </a:tc>
+                <a:tc>
+                  <a:txBody>
+                    <a:bodyPr/>
+                    <a:lstStyle/>
+                    <a:p>
+                      <a:pPr marL="0" marR="0" algn="ctr">
+                        <a:lnSpc>
+                          <a:spcPct val="107000"/>
+                        </a:lnSpc>
+                        <a:spcBef>
+                          <a:spcPts val="0"/>
+                        </a:spcBef>
+                        <a:spcAft>
+                          <a:spcPts val="0"/>
+                        </a:spcAft>
+                      </a:pPr>
+                      <a:r>
+                        <a:rPr lang="en-US" sz="1600">
+                          <a:effectLst/>
+                        </a:rPr>
+                        <a:t>750</a:t>
+                      </a:r>
+                      <a:endParaRPr lang="en-US" sz="1100">
+                        <a:effectLst/>
+                        <a:latin typeface="Calibri" panose="020F0502020204030204" pitchFamily="34" charset="0"/>
+                        <a:ea typeface="Calibri" panose="020F0502020204030204" pitchFamily="34" charset="0"/>
+                        <a:cs typeface="Times New Roman" panose="02020603050405020304" pitchFamily="18" charset="0"/>
+                      </a:endParaRPr>
+                    </a:p>
+                  </a:txBody>
+                  <a:tcPr marL="68580" marR="68580" marT="0" marB="0"/>
+                </a:tc>
+              </a:tr>
+              <a:tr h="488950">
+                <a:tc>
+                  <a:txBody>
+                    <a:bodyPr/>
+                    <a:lstStyle/>
+                    <a:p>
+                      <a:pPr marL="0" marR="0">
+                        <a:lnSpc>
+                          <a:spcPct val="107000"/>
+                        </a:lnSpc>
+                        <a:spcBef>
+                          <a:spcPts val="0"/>
+                        </a:spcBef>
+                        <a:spcAft>
+                          <a:spcPts val="0"/>
+                        </a:spcAft>
+                      </a:pPr>
+                      <a:r>
+                        <a:rPr lang="en-US" sz="1600">
+                          <a:effectLst/>
+                        </a:rPr>
+                        <a:t>Database/API</a:t>
+                      </a:r>
+                      <a:endParaRPr lang="en-US" sz="1100">
+                        <a:effectLst/>
+                      </a:endParaRPr>
+                    </a:p>
+                    <a:p>
+                      <a:pPr marL="0" marR="0">
+                        <a:lnSpc>
+                          <a:spcPct val="107000"/>
+                        </a:lnSpc>
+                        <a:spcBef>
+                          <a:spcPts val="0"/>
+                        </a:spcBef>
+                        <a:spcAft>
+                          <a:spcPts val="0"/>
+                        </a:spcAft>
+                      </a:pPr>
+                      <a:r>
+                        <a:rPr lang="en-US" sz="1600">
+                          <a:effectLst/>
+                        </a:rPr>
+                        <a:t>Queries</a:t>
+                      </a:r>
+                      <a:endParaRPr lang="en-US" sz="1100">
+                        <a:effectLst/>
+                        <a:latin typeface="Calibri" panose="020F0502020204030204" pitchFamily="34" charset="0"/>
+                        <a:ea typeface="Calibri" panose="020F0502020204030204" pitchFamily="34" charset="0"/>
+                        <a:cs typeface="Times New Roman" panose="02020603050405020304" pitchFamily="18" charset="0"/>
+                      </a:endParaRPr>
+                    </a:p>
+                  </a:txBody>
+                  <a:tcPr marL="68580" marR="68580" marT="0" marB="0"/>
+                </a:tc>
+                <a:tc>
+                  <a:txBody>
+                    <a:bodyPr/>
+                    <a:lstStyle/>
+                    <a:p>
+                      <a:pPr marL="0" marR="0" algn="ctr">
+                        <a:lnSpc>
+                          <a:spcPct val="107000"/>
+                        </a:lnSpc>
+                        <a:spcBef>
+                          <a:spcPts val="0"/>
+                        </a:spcBef>
+                        <a:spcAft>
+                          <a:spcPts val="0"/>
+                        </a:spcAft>
+                      </a:pPr>
+                      <a:r>
+                        <a:rPr lang="en-US" sz="1600">
+                          <a:effectLst/>
+                        </a:rPr>
+                        <a:t>150</a:t>
+                      </a:r>
+                      <a:endParaRPr lang="en-US" sz="1100">
+                        <a:effectLst/>
+                        <a:latin typeface="Calibri" panose="020F0502020204030204" pitchFamily="34" charset="0"/>
+                        <a:ea typeface="Calibri" panose="020F0502020204030204" pitchFamily="34" charset="0"/>
+                        <a:cs typeface="Times New Roman" panose="02020603050405020304" pitchFamily="18" charset="0"/>
+                      </a:endParaRPr>
+                    </a:p>
+                  </a:txBody>
+                  <a:tcPr marL="68580" marR="68580" marT="0" marB="0"/>
+                </a:tc>
+                <a:tc>
+                  <a:txBody>
+                    <a:bodyPr/>
+                    <a:lstStyle/>
+                    <a:p>
+                      <a:pPr marL="0" marR="0" algn="ctr">
+                        <a:lnSpc>
+                          <a:spcPct val="107000"/>
+                        </a:lnSpc>
+                        <a:spcBef>
+                          <a:spcPts val="0"/>
+                        </a:spcBef>
+                        <a:spcAft>
+                          <a:spcPts val="0"/>
+                        </a:spcAft>
+                      </a:pPr>
+                      <a:r>
+                        <a:rPr lang="en-US" sz="1600">
+                          <a:effectLst/>
+                        </a:rPr>
+                        <a:t>300</a:t>
+                      </a:r>
+                      <a:endParaRPr lang="en-US" sz="1100">
+                        <a:effectLst/>
+                        <a:latin typeface="Calibri" panose="020F0502020204030204" pitchFamily="34" charset="0"/>
+                        <a:ea typeface="Calibri" panose="020F0502020204030204" pitchFamily="34" charset="0"/>
+                        <a:cs typeface="Times New Roman" panose="02020603050405020304" pitchFamily="18" charset="0"/>
+                      </a:endParaRPr>
+                    </a:p>
+                  </a:txBody>
+                  <a:tcPr marL="68580" marR="68580" marT="0" marB="0"/>
+                </a:tc>
+                <a:tc>
+                  <a:txBody>
+                    <a:bodyPr/>
+                    <a:lstStyle/>
+                    <a:p>
+                      <a:pPr marL="0" marR="0" algn="ctr">
+                        <a:lnSpc>
+                          <a:spcPct val="107000"/>
+                        </a:lnSpc>
+                        <a:spcBef>
+                          <a:spcPts val="0"/>
+                        </a:spcBef>
+                        <a:spcAft>
+                          <a:spcPts val="0"/>
+                        </a:spcAft>
+                      </a:pPr>
+                      <a:r>
+                        <a:rPr lang="en-US" sz="1600" dirty="0">
+                          <a:effectLst/>
+                        </a:rPr>
+                        <a:t>450</a:t>
+                      </a:r>
+                      <a:endParaRPr lang="en-US" sz="1100" dirty="0">
+                        <a:effectLst/>
+                        <a:latin typeface="Calibri" panose="020F0502020204030204" pitchFamily="34" charset="0"/>
+                        <a:ea typeface="Calibri" panose="020F0502020204030204" pitchFamily="34" charset="0"/>
+                        <a:cs typeface="Times New Roman" panose="02020603050405020304" pitchFamily="18" charset="0"/>
+                      </a:endParaRPr>
+                    </a:p>
+                  </a:txBody>
+                  <a:tcPr marL="68580" marR="68580" marT="0" marB="0"/>
+                </a:tc>
+              </a:tr>
+              <a:tr h="488950">
+                <a:tc>
+                  <a:txBody>
+                    <a:bodyPr/>
+                    <a:lstStyle/>
+                    <a:p>
+                      <a:pPr marL="0" marR="0">
+                        <a:lnSpc>
+                          <a:spcPct val="107000"/>
+                        </a:lnSpc>
+                        <a:spcBef>
+                          <a:spcPts val="0"/>
+                        </a:spcBef>
+                        <a:spcAft>
+                          <a:spcPts val="0"/>
+                        </a:spcAft>
+                      </a:pPr>
+                      <a:r>
+                        <a:rPr lang="en-US" sz="1600">
+                          <a:effectLst/>
+                        </a:rPr>
+                        <a:t>Backend</a:t>
+                      </a:r>
+                      <a:endParaRPr lang="en-US" sz="1100">
+                        <a:effectLst/>
+                        <a:latin typeface="Calibri" panose="020F0502020204030204" pitchFamily="34" charset="0"/>
+                        <a:ea typeface="Calibri" panose="020F0502020204030204" pitchFamily="34" charset="0"/>
+                        <a:cs typeface="Times New Roman" panose="02020603050405020304" pitchFamily="18" charset="0"/>
+                      </a:endParaRPr>
+                    </a:p>
+                  </a:txBody>
+                  <a:tcPr marL="68580" marR="68580" marT="0" marB="0"/>
+                </a:tc>
+                <a:tc>
+                  <a:txBody>
+                    <a:bodyPr/>
+                    <a:lstStyle/>
+                    <a:p>
+                      <a:pPr marL="0" marR="0" algn="ctr">
+                        <a:lnSpc>
+                          <a:spcPct val="107000"/>
+                        </a:lnSpc>
+                        <a:spcBef>
+                          <a:spcPts val="0"/>
+                        </a:spcBef>
+                        <a:spcAft>
+                          <a:spcPts val="0"/>
+                        </a:spcAft>
+                      </a:pPr>
+                      <a:r>
+                        <a:rPr lang="en-US" sz="1600">
+                          <a:effectLst/>
+                        </a:rPr>
+                        <a:t>500</a:t>
+                      </a:r>
+                      <a:endParaRPr lang="en-US" sz="1100">
+                        <a:effectLst/>
+                        <a:latin typeface="Calibri" panose="020F0502020204030204" pitchFamily="34" charset="0"/>
+                        <a:ea typeface="Calibri" panose="020F0502020204030204" pitchFamily="34" charset="0"/>
+                        <a:cs typeface="Times New Roman" panose="02020603050405020304" pitchFamily="18" charset="0"/>
+                      </a:endParaRPr>
+                    </a:p>
+                  </a:txBody>
+                  <a:tcPr marL="68580" marR="68580" marT="0" marB="0"/>
+                </a:tc>
+                <a:tc>
+                  <a:txBody>
+                    <a:bodyPr/>
+                    <a:lstStyle/>
+                    <a:p>
+                      <a:pPr marL="0" marR="0" algn="ctr">
+                        <a:lnSpc>
+                          <a:spcPct val="107000"/>
+                        </a:lnSpc>
+                        <a:spcBef>
+                          <a:spcPts val="0"/>
+                        </a:spcBef>
+                        <a:spcAft>
+                          <a:spcPts val="0"/>
+                        </a:spcAft>
+                      </a:pPr>
+                      <a:r>
+                        <a:rPr lang="en-US" sz="1600">
+                          <a:effectLst/>
+                        </a:rPr>
+                        <a:t>700</a:t>
+                      </a:r>
+                      <a:endParaRPr lang="en-US" sz="1100">
+                        <a:effectLst/>
+                        <a:latin typeface="Calibri" panose="020F0502020204030204" pitchFamily="34" charset="0"/>
+                        <a:ea typeface="Calibri" panose="020F0502020204030204" pitchFamily="34" charset="0"/>
+                        <a:cs typeface="Times New Roman" panose="02020603050405020304" pitchFamily="18" charset="0"/>
+                      </a:endParaRPr>
+                    </a:p>
+                  </a:txBody>
+                  <a:tcPr marL="68580" marR="68580" marT="0" marB="0"/>
+                </a:tc>
+                <a:tc>
+                  <a:txBody>
+                    <a:bodyPr/>
+                    <a:lstStyle/>
+                    <a:p>
+                      <a:pPr marL="0" marR="0" algn="ctr">
+                        <a:lnSpc>
+                          <a:spcPct val="107000"/>
+                        </a:lnSpc>
+                        <a:spcBef>
+                          <a:spcPts val="0"/>
+                        </a:spcBef>
+                        <a:spcAft>
+                          <a:spcPts val="0"/>
+                        </a:spcAft>
+                      </a:pPr>
+                      <a:r>
+                        <a:rPr lang="en-US" sz="1600">
+                          <a:effectLst/>
+                        </a:rPr>
+                        <a:t>900</a:t>
+                      </a:r>
+                      <a:endParaRPr lang="en-US" sz="1100">
+                        <a:effectLst/>
+                        <a:latin typeface="Calibri" panose="020F0502020204030204" pitchFamily="34" charset="0"/>
+                        <a:ea typeface="Calibri" panose="020F0502020204030204" pitchFamily="34" charset="0"/>
+                        <a:cs typeface="Times New Roman" panose="02020603050405020304" pitchFamily="18" charset="0"/>
+                      </a:endParaRPr>
+                    </a:p>
+                  </a:txBody>
+                  <a:tcPr marL="68580" marR="68580" marT="0" marB="0"/>
+                </a:tc>
+              </a:tr>
+              <a:tr h="470535">
+                <a:tc>
+                  <a:txBody>
+                    <a:bodyPr/>
+                    <a:lstStyle/>
+                    <a:p>
+                      <a:pPr marL="0" marR="0">
+                        <a:lnSpc>
+                          <a:spcPct val="107000"/>
+                        </a:lnSpc>
+                        <a:spcBef>
+                          <a:spcPts val="0"/>
+                        </a:spcBef>
+                        <a:spcAft>
+                          <a:spcPts val="0"/>
+                        </a:spcAft>
+                      </a:pPr>
+                      <a:r>
+                        <a:rPr lang="en-US" sz="1600">
+                          <a:effectLst/>
+                        </a:rPr>
+                        <a:t>Log-in Support</a:t>
+                      </a:r>
+                      <a:endParaRPr lang="en-US" sz="1100">
+                        <a:effectLst/>
+                        <a:latin typeface="Calibri" panose="020F0502020204030204" pitchFamily="34" charset="0"/>
+                        <a:ea typeface="Calibri" panose="020F0502020204030204" pitchFamily="34" charset="0"/>
+                        <a:cs typeface="Times New Roman" panose="02020603050405020304" pitchFamily="18" charset="0"/>
+                      </a:endParaRPr>
+                    </a:p>
+                  </a:txBody>
+                  <a:tcPr marL="68580" marR="68580" marT="0" marB="0"/>
+                </a:tc>
+                <a:tc>
+                  <a:txBody>
+                    <a:bodyPr/>
+                    <a:lstStyle/>
+                    <a:p>
+                      <a:pPr marL="0" marR="0" algn="ctr">
+                        <a:lnSpc>
+                          <a:spcPct val="107000"/>
+                        </a:lnSpc>
+                        <a:spcBef>
+                          <a:spcPts val="0"/>
+                        </a:spcBef>
+                        <a:spcAft>
+                          <a:spcPts val="0"/>
+                        </a:spcAft>
+                      </a:pPr>
+                      <a:r>
+                        <a:rPr lang="en-US" sz="1600">
+                          <a:effectLst/>
+                        </a:rPr>
+                        <a:t>200</a:t>
+                      </a:r>
+                      <a:endParaRPr lang="en-US" sz="1100">
+                        <a:effectLst/>
+                        <a:latin typeface="Calibri" panose="020F0502020204030204" pitchFamily="34" charset="0"/>
+                        <a:ea typeface="Calibri" panose="020F0502020204030204" pitchFamily="34" charset="0"/>
+                        <a:cs typeface="Times New Roman" panose="02020603050405020304" pitchFamily="18" charset="0"/>
+                      </a:endParaRPr>
+                    </a:p>
+                  </a:txBody>
+                  <a:tcPr marL="68580" marR="68580" marT="0" marB="0"/>
+                </a:tc>
+                <a:tc>
+                  <a:txBody>
+                    <a:bodyPr/>
+                    <a:lstStyle/>
+                    <a:p>
+                      <a:pPr marL="0" marR="0" algn="ctr">
+                        <a:lnSpc>
+                          <a:spcPct val="107000"/>
+                        </a:lnSpc>
+                        <a:spcBef>
+                          <a:spcPts val="0"/>
+                        </a:spcBef>
+                        <a:spcAft>
+                          <a:spcPts val="0"/>
+                        </a:spcAft>
+                      </a:pPr>
+                      <a:r>
+                        <a:rPr lang="en-US" sz="1600">
+                          <a:effectLst/>
+                        </a:rPr>
+                        <a:t>400</a:t>
+                      </a:r>
+                      <a:endParaRPr lang="en-US" sz="1100">
+                        <a:effectLst/>
+                        <a:latin typeface="Calibri" panose="020F0502020204030204" pitchFamily="34" charset="0"/>
+                        <a:ea typeface="Calibri" panose="020F0502020204030204" pitchFamily="34" charset="0"/>
+                        <a:cs typeface="Times New Roman" panose="02020603050405020304" pitchFamily="18" charset="0"/>
+                      </a:endParaRPr>
+                    </a:p>
+                  </a:txBody>
+                  <a:tcPr marL="68580" marR="68580" marT="0" marB="0"/>
+                </a:tc>
+                <a:tc>
+                  <a:txBody>
+                    <a:bodyPr/>
+                    <a:lstStyle/>
+                    <a:p>
+                      <a:pPr marL="0" marR="0" algn="ctr">
+                        <a:lnSpc>
+                          <a:spcPct val="107000"/>
+                        </a:lnSpc>
+                        <a:spcBef>
+                          <a:spcPts val="0"/>
+                        </a:spcBef>
+                        <a:spcAft>
+                          <a:spcPts val="0"/>
+                        </a:spcAft>
+                      </a:pPr>
+                      <a:r>
+                        <a:rPr lang="en-US" sz="1600">
+                          <a:effectLst/>
+                        </a:rPr>
+                        <a:t>600</a:t>
+                      </a:r>
+                      <a:endParaRPr lang="en-US" sz="1100">
+                        <a:effectLst/>
+                        <a:latin typeface="Calibri" panose="020F0502020204030204" pitchFamily="34" charset="0"/>
+                        <a:ea typeface="Calibri" panose="020F0502020204030204" pitchFamily="34" charset="0"/>
+                        <a:cs typeface="Times New Roman" panose="02020603050405020304" pitchFamily="18" charset="0"/>
+                      </a:endParaRPr>
+                    </a:p>
+                  </a:txBody>
+                  <a:tcPr marL="68580" marR="68580" marT="0" marB="0"/>
+                </a:tc>
+              </a:tr>
+              <a:tr h="470535">
+                <a:tc>
+                  <a:txBody>
+                    <a:bodyPr/>
+                    <a:lstStyle/>
+                    <a:p>
+                      <a:pPr marL="0" marR="0">
+                        <a:lnSpc>
+                          <a:spcPct val="107000"/>
+                        </a:lnSpc>
+                        <a:spcBef>
+                          <a:spcPts val="0"/>
+                        </a:spcBef>
+                        <a:spcAft>
+                          <a:spcPts val="0"/>
+                        </a:spcAft>
+                      </a:pPr>
+                      <a:r>
+                        <a:rPr lang="en-US" sz="1600">
+                          <a:effectLst/>
+                        </a:rPr>
+                        <a:t>Estimated LOC</a:t>
+                      </a:r>
+                      <a:endParaRPr lang="en-US" sz="1100">
+                        <a:effectLst/>
+                      </a:endParaRPr>
+                    </a:p>
+                    <a:p>
+                      <a:pPr marL="0" marR="0">
+                        <a:lnSpc>
+                          <a:spcPct val="107000"/>
+                        </a:lnSpc>
+                        <a:spcBef>
+                          <a:spcPts val="0"/>
+                        </a:spcBef>
+                        <a:spcAft>
+                          <a:spcPts val="0"/>
+                        </a:spcAft>
+                      </a:pPr>
+                      <a:r>
+                        <a:rPr lang="en-US" sz="1600">
+                          <a:effectLst/>
+                        </a:rPr>
+                        <a:t>(*Based on Average Case*)</a:t>
+                      </a:r>
+                      <a:endParaRPr lang="en-US" sz="1100">
+                        <a:effectLst/>
+                        <a:latin typeface="Calibri" panose="020F0502020204030204" pitchFamily="34" charset="0"/>
+                        <a:ea typeface="Calibri" panose="020F0502020204030204" pitchFamily="34" charset="0"/>
+                        <a:cs typeface="Times New Roman" panose="02020603050405020304" pitchFamily="18" charset="0"/>
+                      </a:endParaRPr>
+                    </a:p>
+                  </a:txBody>
+                  <a:tcPr marL="68580" marR="68580" marT="0" marB="0"/>
+                </a:tc>
+                <a:tc>
+                  <a:txBody>
+                    <a:bodyPr/>
+                    <a:lstStyle/>
+                    <a:p>
+                      <a:pPr marL="0" marR="0">
+                        <a:lnSpc>
+                          <a:spcPct val="107000"/>
+                        </a:lnSpc>
+                        <a:spcBef>
+                          <a:spcPts val="0"/>
+                        </a:spcBef>
+                        <a:spcAft>
+                          <a:spcPts val="0"/>
+                        </a:spcAft>
+                      </a:pPr>
+                      <a:r>
+                        <a:rPr lang="en-US" sz="1600" dirty="0">
+                          <a:effectLst/>
+                        </a:rPr>
+                        <a:t> </a:t>
+                      </a:r>
+                      <a:endParaRPr lang="en-US" sz="1100" dirty="0">
+                        <a:effectLst/>
+                        <a:latin typeface="Calibri" panose="020F0502020204030204" pitchFamily="34" charset="0"/>
+                        <a:ea typeface="Calibri" panose="020F0502020204030204" pitchFamily="34" charset="0"/>
+                        <a:cs typeface="Times New Roman" panose="02020603050405020304" pitchFamily="18" charset="0"/>
+                      </a:endParaRPr>
+                    </a:p>
+                  </a:txBody>
+                  <a:tcPr marL="68580" marR="68580" marT="0" marB="0"/>
+                </a:tc>
+                <a:tc>
+                  <a:txBody>
+                    <a:bodyPr/>
+                    <a:lstStyle/>
+                    <a:p>
+                      <a:pPr marL="0" marR="0" algn="ctr">
+                        <a:lnSpc>
+                          <a:spcPct val="107000"/>
+                        </a:lnSpc>
+                        <a:spcBef>
+                          <a:spcPts val="0"/>
+                        </a:spcBef>
+                        <a:spcAft>
+                          <a:spcPts val="0"/>
+                        </a:spcAft>
+                      </a:pPr>
+                      <a:r>
+                        <a:rPr lang="en-US" sz="1600">
+                          <a:effectLst/>
+                        </a:rPr>
+                        <a:t> 1900</a:t>
+                      </a:r>
+                      <a:endParaRPr lang="en-US" sz="1100">
+                        <a:effectLst/>
+                        <a:latin typeface="Calibri" panose="020F0502020204030204" pitchFamily="34" charset="0"/>
+                        <a:ea typeface="Calibri" panose="020F0502020204030204" pitchFamily="34" charset="0"/>
+                        <a:cs typeface="Times New Roman" panose="02020603050405020304" pitchFamily="18" charset="0"/>
+                      </a:endParaRPr>
+                    </a:p>
+                  </a:txBody>
+                  <a:tcPr marL="68580" marR="68580" marT="0" marB="0"/>
+                </a:tc>
+                <a:tc>
+                  <a:txBody>
+                    <a:bodyPr/>
+                    <a:lstStyle/>
+                    <a:p>
+                      <a:pPr marL="0" marR="0" algn="ctr">
+                        <a:lnSpc>
+                          <a:spcPct val="107000"/>
+                        </a:lnSpc>
+                        <a:spcBef>
+                          <a:spcPts val="0"/>
+                        </a:spcBef>
+                        <a:spcAft>
+                          <a:spcPts val="0"/>
+                        </a:spcAft>
+                      </a:pPr>
+                      <a:r>
+                        <a:rPr lang="en-US" sz="1600" dirty="0">
+                          <a:effectLst/>
+                        </a:rPr>
+                        <a:t> </a:t>
+                      </a:r>
+                      <a:endParaRPr lang="en-US" sz="1100" dirty="0">
+                        <a:effectLst/>
+                        <a:latin typeface="Calibri" panose="020F0502020204030204" pitchFamily="34" charset="0"/>
+                        <a:ea typeface="Calibri" panose="020F0502020204030204" pitchFamily="34" charset="0"/>
+                        <a:cs typeface="Times New Roman" panose="02020603050405020304" pitchFamily="18" charset="0"/>
+                      </a:endParaRPr>
+                    </a:p>
+                  </a:txBody>
+                  <a:tcPr marL="68580" marR="68580" marT="0" marB="0"/>
+                </a:tc>
+              </a:tr>
+            </a:tbl>
+          </a:graphicData>
+        </a:graphic>
+      </p:graphicFrame>
+      <p:sp>
+        <p:nvSpPr>
+          <p:cNvPr id="5" name="TextBox 4"/>
+          <p:cNvSpPr txBox="1"/>
+          <p:nvPr/>
+        </p:nvSpPr>
+        <p:spPr>
+          <a:xfrm>
+            <a:off x="7207250" y="1543966"/>
+            <a:ext cx="1442254" cy="369332"/>
+          </a:xfrm>
+          <a:prstGeom prst="rect">
+            <a:avLst/>
+          </a:prstGeom>
+          <a:noFill/>
+        </p:spPr>
+        <p:txBody>
+          <a:bodyPr wrap="none" rtlCol="0">
+            <a:spAutoFit/>
+          </a:bodyPr>
+          <a:lstStyle/>
+          <a:p>
+            <a:r>
+              <a:rPr lang="en-US" dirty="0" smtClean="0"/>
+              <a:t>Our Estimate</a:t>
+            </a:r>
             <a:endParaRPr lang="en-US" dirty="0"/>
           </a:p>
         </p:txBody>
@@ -6785,7 +8136,7 @@
                             </p:stCondLst>
                             <p:childTnLst>
                               <p:par>
-                                <p:cTn id="5" presetID="10" presetClass="entr" presetSubtype="0" fill="hold" grpId="0" nodeType="afterEffect">
+                                <p:cTn id="5" presetID="1" presetClass="entr" presetSubtype="0" fill="hold" nodeType="afterEffect">
                                   <p:stCondLst>
                                     <p:cond delay="0"/>
                                   </p:stCondLst>
@@ -6798,6 +8149,69 @@
                                           </p:stCondLst>
                                         </p:cTn>
                                         <p:tgtEl>
+                                          <p:spTgt spid="4"/>
+                                        </p:tgtEl>
+                                        <p:attrNameLst>
+                                          <p:attrName>style.visibility</p:attrName>
+                                        </p:attrNameLst>
+                                      </p:cBhvr>
+                                      <p:to>
+                                        <p:strVal val="visible"/>
+                                      </p:to>
+                                    </p:set>
+                                  </p:childTnLst>
+                                </p:cTn>
+                              </p:par>
+                              <p:par>
+                                <p:cTn id="7" presetID="1" presetClass="entr" presetSubtype="0" fill="hold" grpId="0" nodeType="withEffect">
+                                  <p:stCondLst>
+                                    <p:cond delay="0"/>
+                                  </p:stCondLst>
+                                  <p:childTnLst>
+                                    <p:set>
+                                      <p:cBhvr>
+                                        <p:cTn id="8" dur="1" fill="hold">
+                                          <p:stCondLst>
+                                            <p:cond delay="0"/>
+                                          </p:stCondLst>
+                                        </p:cTn>
+                                        <p:tgtEl>
+                                          <p:spTgt spid="5"/>
+                                        </p:tgtEl>
+                                        <p:attrNameLst>
+                                          <p:attrName>style.visibility</p:attrName>
+                                        </p:attrNameLst>
+                                      </p:cBhvr>
+                                      <p:to>
+                                        <p:strVal val="visible"/>
+                                      </p:to>
+                                    </p:set>
+                                  </p:childTnLst>
+                                </p:cTn>
+                              </p:par>
+                            </p:childTnLst>
+                          </p:cTn>
+                        </p:par>
+                        <p:par>
+                          <p:cTn id="9" fill="hold">
+                            <p:stCondLst>
+                              <p:cond delay="0"/>
+                            </p:stCondLst>
+                            <p:childTnLst>
+                              <p:par>
+                                <p:cTn id="10" presetID="10" presetClass="entr" presetSubtype="0" fill="hold" grpId="0" nodeType="afterEffect">
+                                  <p:stCondLst>
+                                    <p:cond delay="0"/>
+                                  </p:stCondLst>
+                                  <p:childTnLst>
+                                    <p:set>
+                                      <p:cBhvr>
+                                        <p:cTn id="11" dur="1" fill="hold">
+                                          <p:stCondLst>
+                                            <p:cond delay="0"/>
+                                          </p:stCondLst>
+                                        </p:cTn>
+                                        <p:tgtEl>
                                           <p:spTgt spid="3">
                                             <p:txEl>
                                               <p:pRg st="0" end="0"/>
@@ -6814,7 +8228,7 @@
                                     </p:set>
                                     <p:animEffect transition="in" filter="fade">
                                       <p:cBhvr>
-                                        <p:cTn id="7" dur="500"/>
+                                        <p:cTn id="12" dur="500"/>
                                         <p:tgtEl>
                                           <p:spTgt spid="3">
                                             <p:txEl>
@@ -6828,14 +8242,14 @@
                                 </p:cTn>
                               </p:par>
                               <p:par>
-                                <p:cTn id="8" presetID="10" presetClass="entr" presetSubtype="0" fill="hold" grpId="0" nodeType="withEffect">
+                                <p:cTn id="13" presetID="10" presetClass="entr" presetSubtype="0" fill="hold" grpId="0" nodeType="withEffect">
                                   <p:stCondLst>
                                     <p:cond delay="0"/>
                                   </p:stCondLst>
                                   <p:childTnLst>
                                     <p:set>
                                       <p:cBhvr>
-                                        <p:cTn id="9" dur="1" fill="hold">
+                                        <p:cTn id="14" dur="1" fill="hold">
                                           <p:stCondLst>
                                             <p:cond delay="0"/>
                                           </p:stCondLst>
@@ -6857,7 +8271,7 @@
                                     </p:set>
                                     <p:animEffect transition="in" filter="fade">
                                       <p:cBhvr>
-                                        <p:cTn id="10" dur="500"/>
+                                        <p:cTn id="15" dur="500"/>
                                         <p:tgtEl>
                                           <p:spTgt spid="3">
                                             <p:txEl>
@@ -6871,14 +8285,14 @@
                                 </p:cTn>
                               </p:par>
                               <p:par>
-                                <p:cTn id="11" presetID="10" presetClass="entr" presetSubtype="0" fill="hold" grpId="0" nodeType="withEffect">
+                                <p:cTn id="16" presetID="10" presetClass="entr" presetSubtype="0" fill="hold" grpId="0" nodeType="withEffect">
                                   <p:stCondLst>
                                     <p:cond delay="0"/>
                                   </p:stCondLst>
                                   <p:childTnLst>
                                     <p:set>
                                       <p:cBhvr>
-                                        <p:cTn id="12" dur="1" fill="hold">
+                                        <p:cTn id="17" dur="1" fill="hold">
                                           <p:stCondLst>
                                             <p:cond delay="0"/>
                                           </p:stCondLst>
@@ -6900,7 +8314,7 @@
                                     </p:set>
                                     <p:animEffect transition="in" filter="fade">
                                       <p:cBhvr>
-                                        <p:cTn id="13" dur="500"/>
+                                        <p:cTn id="18" dur="500"/>
                                         <p:tgtEl>
                                           <p:spTgt spid="3">
                                             <p:txEl>
@@ -6914,14 +8328,14 @@
                                 </p:cTn>
                               </p:par>
                               <p:par>
-                                <p:cTn id="14" presetID="10" presetClass="entr" presetSubtype="0" fill="hold" grpId="0" nodeType="withEffect">
+                                <p:cTn id="19" presetID="10" presetClass="entr" presetSubtype="0" fill="hold" grpId="0" nodeType="withEffect">
                                   <p:stCondLst>
                                     <p:cond delay="0"/>
                                   </p:stCondLst>
                                   <p:childTnLst>
                                     <p:set>
                                       <p:cBhvr>
-                                        <p:cTn id="15" dur="1" fill="hold">
+                                        <p:cTn id="20" dur="1" fill="hold">
                                           <p:stCondLst>
                                             <p:cond delay="0"/>
                                           </p:stCondLst>
@@ -6943,7 +8357,7 @@
                                     </p:set>
                                     <p:animEffect transition="in" filter="fade">
                                       <p:cBhvr>
-                                        <p:cTn id="16" dur="500"/>
+                                        <p:cTn id="21" dur="500"/>
                                         <p:tgtEl>
                                           <p:spTgt spid="3">
                                             <p:txEl>
@@ -6957,14 +8371,14 @@
                                 </p:cTn>
                               </p:par>
                               <p:par>
-                                <p:cTn id="17" presetID="10" presetClass="entr" presetSubtype="0" fill="hold" grpId="0" nodeType="withEffect">
+                                <p:cTn id="22" presetID="10" presetClass="entr" presetSubtype="0" fill="hold" grpId="0" nodeType="withEffect">
                                   <p:stCondLst>
                                     <p:cond delay="0"/>
                                   </p:stCondLst>
                                   <p:childTnLst>
                                     <p:set>
                                       <p:cBhvr>
-                                        <p:cTn id="18" dur="1" fill="hold">
+                                        <p:cTn id="23" dur="1" fill="hold">
                                           <p:stCondLst>
                                             <p:cond delay="0"/>
                                           </p:stCondLst>
@@ -6986,7 +8400,7 @@
                                     </p:set>
                                     <p:animEffect transition="in" filter="fade">
                                       <p:cBhvr>
-                                        <p:cTn id="19" dur="500"/>
+                                        <p:cTn id="24" dur="500"/>
                                         <p:tgtEl>
                                           <p:spTgt spid="3">
                                             <p:txEl>
@@ -7000,14 +8414,14 @@
                                 </p:cTn>
                               </p:par>
                               <p:par>
-                                <p:cTn id="20" presetID="10" presetClass="entr" presetSubtype="0" fill="hold" grpId="0" nodeType="withEffect">
+                                <p:cTn id="25" presetID="10" presetClass="entr" presetSubtype="0" fill="hold" grpId="0" nodeType="withEffect">
                                   <p:stCondLst>
                                     <p:cond delay="0"/>
                                   </p:stCondLst>
                                   <p:childTnLst>
                                     <p:set>
                                       <p:cBhvr>
-                                        <p:cTn id="21" dur="1" fill="hold">
+                                        <p:cTn id="26" dur="1" fill="hold">
                                           <p:stCondLst>
                                             <p:cond delay="0"/>
                                           </p:stCondLst>
@@ -7029,7 +8443,7 @@
                                     </p:set>
                                     <p:animEffect transition="in" filter="fade">
                                       <p:cBhvr>
-                                        <p:cTn id="22" dur="500"/>
+                                        <p:cTn id="27" dur="500"/>
                                         <p:tgtEl>
                                           <p:spTgt spid="3">
                                             <p:txEl>
@@ -7043,14 +8457,14 @@
                                 </p:cTn>
                               </p:par>
                               <p:par>
-                                <p:cTn id="23" presetID="10" presetClass="entr" presetSubtype="0" fill="hold" grpId="0" nodeType="withEffect">
+                                <p:cTn id="28" presetID="10" presetClass="entr" presetSubtype="0" fill="hold" grpId="0" nodeType="withEffect">
                                   <p:stCondLst>
                                     <p:cond delay="0"/>
                                   </p:stCondLst>
                                   <p:childTnLst>
                                     <p:set>
                                       <p:cBhvr>
-                                        <p:cTn id="24" dur="1" fill="hold">
+                                        <p:cTn id="29" dur="1" fill="hold">
                                           <p:stCondLst>
                                             <p:cond delay="0"/>
                                           </p:stCondLst>
@@ -7072,7 +8486,7 @@
                                     </p:set>
                                     <p:animEffect transition="in" filter="fade">
                                       <p:cBhvr>
-                                        <p:cTn id="25" dur="500"/>
+                                        <p:cTn id="30" dur="500"/>
                                         <p:tgtEl>
                                           <p:spTgt spid="3">
                                             <p:txEl>
@@ -7086,14 +8500,14 @@
                                 </p:cTn>
                               </p:par>
                               <p:par>
-                                <p:cTn id="26" presetID="10" presetClass="entr" presetSubtype="0" fill="hold" grpId="0" nodeType="withEffect">
+                                <p:cTn id="31" presetID="10" presetClass="entr" presetSubtype="0" fill="hold" grpId="0" nodeType="withEffect">
                                   <p:stCondLst>
                                     <p:cond delay="0"/>
                                   </p:stCondLst>
                                   <p:childTnLst>
                                     <p:set>
                                       <p:cBhvr>
-                                        <p:cTn id="27" dur="1" fill="hold">
+                                        <p:cTn id="32" dur="1" fill="hold">
                                           <p:stCondLst>
                                             <p:cond delay="0"/>
                                           </p:stCondLst>
@@ -7115,7 +8529,7 @@
                                     </p:set>
                                     <p:animEffect transition="in" filter="fade">
                                       <p:cBhvr>
-                                        <p:cTn id="28" dur="500"/>
+                                        <p:cTn id="33" dur="500"/>
                                         <p:tgtEl>
                                           <p:spTgt spid="3">
                                             <p:txEl>
@@ -7129,14 +8543,14 @@
                                 </p:cTn>
                               </p:par>
                               <p:par>
-                                <p:cTn id="29" presetID="10" presetClass="entr" presetSubtype="0" fill="hold" grpId="0" nodeType="withEffect">
+                                <p:cTn id="34" presetID="10" presetClass="entr" presetSubtype="0" fill="hold" grpId="0" nodeType="withEffect">
                                   <p:stCondLst>
                                     <p:cond delay="0"/>
                                   </p:stCondLst>
                                   <p:childTnLst>
                                     <p:set>
                                       <p:cBhvr>
-                                        <p:cTn id="30" dur="1" fill="hold">
+                                        <p:cTn id="35" dur="1" fill="hold">
                                           <p:stCondLst>
                                             <p:cond delay="0"/>
                                           </p:stCondLst>
@@ -7158,7 +8572,7 @@
                                     </p:set>
                                     <p:animEffect transition="in" filter="fade">
                                       <p:cBhvr>
-                                        <p:cTn id="31" dur="500"/>
+                                        <p:cTn id="36" dur="500"/>
                                         <p:tgtEl>
                                           <p:spTgt spid="3">
                                             <p:txEl>
@@ -7200,6 +8614,7 @@
     </p:tnLst>
     <p:bldLst>
       <p:bldP spid="3" grpId="0" uiExpand="1" build="p"/>
+      <p:bldP spid="5" grpId="0"/>
     </p:bldLst>
   </p:timing>
 </p:sld>
@@ -7260,7 +8675,7 @@
           <a:bodyPr/>
           <a:lstStyle/>
           <a:p>
-            <a:endParaRPr lang="en-US"/>
+            <a:endParaRPr lang="en-US" dirty="0"/>
           </a:p>
         </p:txBody>
       </p:sp>

--- a/PrescribeFinalPresentation.pptx
+++ b/PrescribeFinalPresentation.pptx
@@ -4840,11 +4840,7 @@
             <a:pPr lvl="1"/>
             <a:r>
               <a:rPr lang="en-US" dirty="0" smtClean="0"/>
-              <a:t>Echo </a:t>
-            </a:r>
-            <a:r>
-              <a:rPr lang="en-US" dirty="0" smtClean="0"/>
-              <a:t>Nest</a:t>
+              <a:t>Echo Nest</a:t>
             </a:r>
           </a:p>
           <a:p>
@@ -4853,7 +4849,6 @@
               <a:rPr lang="en-US" dirty="0" smtClean="0"/>
               <a:t>Scraping from Wiki</a:t>
             </a:r>
-            <a:endParaRPr lang="en-US" dirty="0" smtClean="0"/>
           </a:p>
         </p:txBody>
       </p:sp>
@@ -5975,11 +5970,7 @@
           <a:p>
             <a:r>
               <a:rPr lang="en-US" dirty="0" smtClean="0"/>
-              <a:t>Work </a:t>
-            </a:r>
-            <a:r>
-              <a:rPr lang="en-US" dirty="0" smtClean="0"/>
-              <a:t>Breakdown </a:t>
+              <a:t>Work Breakdown </a:t>
             </a:r>
             <a:r>
               <a:rPr lang="en-US" dirty="0"/>
@@ -7036,11 +7027,7 @@
           <a:p>
             <a:r>
               <a:rPr lang="en-US" dirty="0" smtClean="0"/>
-              <a:t>Lines of </a:t>
-            </a:r>
-            <a:r>
-              <a:rPr lang="en-US" dirty="0" smtClean="0"/>
-              <a:t>Code</a:t>
+              <a:t>Lines of Code</a:t>
             </a:r>
             <a:endParaRPr lang="en-US" dirty="0"/>
           </a:p>
@@ -7196,7 +7183,7 @@
         </p:nvGraphicFramePr>
         <p:xfrm>
           <a:off x="5833745" y="2066081"/>
-          <a:ext cx="6125210" cy="3279204"/>
+          <a:ext cx="6125210" cy="3321686"/>
         </p:xfrm>
         <a:graphic>
           <a:graphicData uri="http://schemas.openxmlformats.org/drawingml/2006/table">
@@ -8647,7 +8634,12 @@
             <p:ph type="title"/>
           </p:nvPr>
         </p:nvSpPr>
-        <p:spPr/>
+        <p:spPr>
+          <a:xfrm>
+            <a:off x="966486" y="570053"/>
+            <a:ext cx="9601200" cy="1485900"/>
+          </a:xfrm>
+        </p:spPr>
         <p:txBody>
           <a:bodyPr/>
           <a:lstStyle/>
@@ -8660,25 +8652,1995 @@
           </a:p>
         </p:txBody>
       </p:sp>
-      <p:sp>
-        <p:nvSpPr>
-          <p:cNvPr id="3" name="Content Placeholder 2"/>
-          <p:cNvSpPr>
-            <a:spLocks noGrp="1"/>
-          </p:cNvSpPr>
+      <p:graphicFrame>
+        <p:nvGraphicFramePr>
+          <p:cNvPr id="4" name="Content Placeholder 3"/>
+          <p:cNvGraphicFramePr>
+            <a:graphicFrameLocks noGrp="1"/>
+          </p:cNvGraphicFramePr>
           <p:nvPr>
             <p:ph idx="1"/>
+            <p:extLst>
+              <p:ext uri="{D42A27DB-BD31-4B8C-83A1-F6EECF244321}">
+                <p14:modId xmlns:p14="http://schemas.microsoft.com/office/powerpoint/2010/main" val="3878218445"/>
+              </p:ext>
+            </p:extLst>
           </p:nvPr>
-        </p:nvSpPr>
-        <p:spPr/>
-        <p:txBody>
-          <a:bodyPr/>
-          <a:lstStyle/>
-          <a:p>
-            <a:endParaRPr lang="en-US" dirty="0"/>
-          </a:p>
-        </p:txBody>
-      </p:sp>
+        </p:nvGraphicFramePr>
+        <p:xfrm>
+          <a:off x="3570790" y="119977"/>
+          <a:ext cx="8513180" cy="6506528"/>
+        </p:xfrm>
+        <a:graphic>
+          <a:graphicData uri="http://schemas.openxmlformats.org/drawingml/2006/table">
+            <a:tbl>
+              <a:tblPr firstRow="1" firstCol="1" bandRow="1">
+                <a:tableStyleId>{5C22544A-7EE6-4342-B048-85BDC9FD1C3A}</a:tableStyleId>
+              </a:tblPr>
+              <a:tblGrid>
+                <a:gridCol w="416594"/>
+                <a:gridCol w="1827348"/>
+                <a:gridCol w="1401910"/>
+                <a:gridCol w="3419424"/>
+                <a:gridCol w="441357"/>
+                <a:gridCol w="1006547"/>
+              </a:tblGrid>
+              <a:tr h="375231">
+                <a:tc>
+                  <a:txBody>
+                    <a:bodyPr/>
+                    <a:lstStyle/>
+                    <a:p>
+                      <a:pPr marL="0" marR="0">
+                        <a:lnSpc>
+                          <a:spcPct val="107000"/>
+                        </a:lnSpc>
+                        <a:spcBef>
+                          <a:spcPts val="0"/>
+                        </a:spcBef>
+                        <a:spcAft>
+                          <a:spcPts val="0"/>
+                        </a:spcAft>
+                      </a:pPr>
+                      <a:r>
+                        <a:rPr lang="en-US" sz="1400" dirty="0">
+                          <a:effectLst/>
+                        </a:rPr>
+                        <a:t>Test #</a:t>
+                      </a:r>
+                      <a:endParaRPr lang="en-US" sz="1400" dirty="0">
+                        <a:effectLst/>
+                        <a:latin typeface="Calibri" panose="020F0502020204030204" pitchFamily="34" charset="0"/>
+                        <a:ea typeface="Calibri" panose="020F0502020204030204" pitchFamily="34" charset="0"/>
+                        <a:cs typeface="Times New Roman" panose="02020603050405020304" pitchFamily="18" charset="0"/>
+                      </a:endParaRPr>
+                    </a:p>
+                  </a:txBody>
+                  <a:tcPr marL="26146" marR="26146" marT="0" marB="0"/>
+                </a:tc>
+                <a:tc>
+                  <a:txBody>
+                    <a:bodyPr/>
+                    <a:lstStyle/>
+                    <a:p>
+                      <a:pPr marL="0" marR="0">
+                        <a:lnSpc>
+                          <a:spcPct val="107000"/>
+                        </a:lnSpc>
+                        <a:spcBef>
+                          <a:spcPts val="0"/>
+                        </a:spcBef>
+                        <a:spcAft>
+                          <a:spcPts val="0"/>
+                        </a:spcAft>
+                      </a:pPr>
+                      <a:r>
+                        <a:rPr lang="en-US" sz="1400">
+                          <a:effectLst/>
+                        </a:rPr>
+                        <a:t>Action</a:t>
+                      </a:r>
+                      <a:endParaRPr lang="en-US" sz="1400">
+                        <a:effectLst/>
+                        <a:latin typeface="Calibri" panose="020F0502020204030204" pitchFamily="34" charset="0"/>
+                        <a:ea typeface="Calibri" panose="020F0502020204030204" pitchFamily="34" charset="0"/>
+                        <a:cs typeface="Times New Roman" panose="02020603050405020304" pitchFamily="18" charset="0"/>
+                      </a:endParaRPr>
+                    </a:p>
+                  </a:txBody>
+                  <a:tcPr marL="26146" marR="26146" marT="0" marB="0"/>
+                </a:tc>
+                <a:tc>
+                  <a:txBody>
+                    <a:bodyPr/>
+                    <a:lstStyle/>
+                    <a:p>
+                      <a:pPr marL="0" marR="0">
+                        <a:lnSpc>
+                          <a:spcPct val="107000"/>
+                        </a:lnSpc>
+                        <a:spcBef>
+                          <a:spcPts val="0"/>
+                        </a:spcBef>
+                        <a:spcAft>
+                          <a:spcPts val="0"/>
+                        </a:spcAft>
+                      </a:pPr>
+                      <a:r>
+                        <a:rPr lang="en-US" sz="1400">
+                          <a:effectLst/>
+                        </a:rPr>
+                        <a:t>Expected Result</a:t>
+                      </a:r>
+                      <a:endParaRPr lang="en-US" sz="1400">
+                        <a:effectLst/>
+                        <a:latin typeface="Calibri" panose="020F0502020204030204" pitchFamily="34" charset="0"/>
+                        <a:ea typeface="Calibri" panose="020F0502020204030204" pitchFamily="34" charset="0"/>
+                        <a:cs typeface="Times New Roman" panose="02020603050405020304" pitchFamily="18" charset="0"/>
+                      </a:endParaRPr>
+                    </a:p>
+                  </a:txBody>
+                  <a:tcPr marL="26146" marR="26146" marT="0" marB="0"/>
+                </a:tc>
+                <a:tc>
+                  <a:txBody>
+                    <a:bodyPr/>
+                    <a:lstStyle/>
+                    <a:p>
+                      <a:pPr marL="0" marR="0">
+                        <a:lnSpc>
+                          <a:spcPct val="107000"/>
+                        </a:lnSpc>
+                        <a:spcBef>
+                          <a:spcPts val="0"/>
+                        </a:spcBef>
+                        <a:spcAft>
+                          <a:spcPts val="0"/>
+                        </a:spcAft>
+                      </a:pPr>
+                      <a:r>
+                        <a:rPr lang="en-US" sz="1400">
+                          <a:effectLst/>
+                        </a:rPr>
+                        <a:t>Actual Result</a:t>
+                      </a:r>
+                      <a:endParaRPr lang="en-US" sz="1400">
+                        <a:effectLst/>
+                        <a:latin typeface="Calibri" panose="020F0502020204030204" pitchFamily="34" charset="0"/>
+                        <a:ea typeface="Calibri" panose="020F0502020204030204" pitchFamily="34" charset="0"/>
+                        <a:cs typeface="Times New Roman" panose="02020603050405020304" pitchFamily="18" charset="0"/>
+                      </a:endParaRPr>
+                    </a:p>
+                  </a:txBody>
+                  <a:tcPr marL="26146" marR="26146" marT="0" marB="0"/>
+                </a:tc>
+                <a:tc>
+                  <a:txBody>
+                    <a:bodyPr/>
+                    <a:lstStyle/>
+                    <a:p>
+                      <a:pPr marL="0" marR="0">
+                        <a:lnSpc>
+                          <a:spcPct val="107000"/>
+                        </a:lnSpc>
+                        <a:spcBef>
+                          <a:spcPts val="0"/>
+                        </a:spcBef>
+                        <a:spcAft>
+                          <a:spcPts val="0"/>
+                        </a:spcAft>
+                      </a:pPr>
+                      <a:r>
+                        <a:rPr lang="en-US" sz="1400" dirty="0">
+                          <a:effectLst/>
+                        </a:rPr>
+                        <a:t>Date</a:t>
+                      </a:r>
+                      <a:endParaRPr lang="en-US" sz="1400" dirty="0">
+                        <a:effectLst/>
+                        <a:latin typeface="Calibri" panose="020F0502020204030204" pitchFamily="34" charset="0"/>
+                        <a:ea typeface="Calibri" panose="020F0502020204030204" pitchFamily="34" charset="0"/>
+                        <a:cs typeface="Times New Roman" panose="02020603050405020304" pitchFamily="18" charset="0"/>
+                      </a:endParaRPr>
+                    </a:p>
+                  </a:txBody>
+                  <a:tcPr marL="26146" marR="26146" marT="0" marB="0"/>
+                </a:tc>
+                <a:tc>
+                  <a:txBody>
+                    <a:bodyPr/>
+                    <a:lstStyle/>
+                    <a:p>
+                      <a:pPr marL="0" marR="0">
+                        <a:lnSpc>
+                          <a:spcPct val="107000"/>
+                        </a:lnSpc>
+                        <a:spcBef>
+                          <a:spcPts val="0"/>
+                        </a:spcBef>
+                        <a:spcAft>
+                          <a:spcPts val="0"/>
+                        </a:spcAft>
+                      </a:pPr>
+                      <a:r>
+                        <a:rPr lang="en-US" sz="1400" dirty="0">
+                          <a:effectLst/>
+                        </a:rPr>
+                        <a:t>Who</a:t>
+                      </a:r>
+                      <a:endParaRPr lang="en-US" sz="1400" dirty="0">
+                        <a:effectLst/>
+                        <a:latin typeface="Calibri" panose="020F0502020204030204" pitchFamily="34" charset="0"/>
+                        <a:ea typeface="Calibri" panose="020F0502020204030204" pitchFamily="34" charset="0"/>
+                        <a:cs typeface="Times New Roman" panose="02020603050405020304" pitchFamily="18" charset="0"/>
+                      </a:endParaRPr>
+                    </a:p>
+                  </a:txBody>
+                  <a:tcPr marL="26146" marR="26146" marT="0" marB="0"/>
+                </a:tc>
+              </a:tr>
+              <a:tr h="565214">
+                <a:tc>
+                  <a:txBody>
+                    <a:bodyPr/>
+                    <a:lstStyle/>
+                    <a:p>
+                      <a:pPr marL="0" marR="0">
+                        <a:lnSpc>
+                          <a:spcPct val="107000"/>
+                        </a:lnSpc>
+                        <a:spcBef>
+                          <a:spcPts val="0"/>
+                        </a:spcBef>
+                        <a:spcAft>
+                          <a:spcPts val="0"/>
+                        </a:spcAft>
+                      </a:pPr>
+                      <a:r>
+                        <a:rPr lang="en-US" sz="1400">
+                          <a:effectLst/>
+                        </a:rPr>
+                        <a:t>1</a:t>
+                      </a:r>
+                      <a:endParaRPr lang="en-US" sz="1400">
+                        <a:effectLst/>
+                        <a:latin typeface="Calibri" panose="020F0502020204030204" pitchFamily="34" charset="0"/>
+                        <a:ea typeface="Calibri" panose="020F0502020204030204" pitchFamily="34" charset="0"/>
+                        <a:cs typeface="Times New Roman" panose="02020603050405020304" pitchFamily="18" charset="0"/>
+                      </a:endParaRPr>
+                    </a:p>
+                  </a:txBody>
+                  <a:tcPr marL="26146" marR="26146" marT="0" marB="0"/>
+                </a:tc>
+                <a:tc>
+                  <a:txBody>
+                    <a:bodyPr/>
+                    <a:lstStyle/>
+                    <a:p>
+                      <a:pPr marL="0" marR="0">
+                        <a:lnSpc>
+                          <a:spcPct val="107000"/>
+                        </a:lnSpc>
+                        <a:spcBef>
+                          <a:spcPts val="0"/>
+                        </a:spcBef>
+                        <a:spcAft>
+                          <a:spcPts val="0"/>
+                        </a:spcAft>
+                      </a:pPr>
+                      <a:r>
+                        <a:rPr lang="en-US" sz="1400" dirty="0">
+                          <a:effectLst/>
+                        </a:rPr>
+                        <a:t>Attempt to create user</a:t>
+                      </a:r>
+                      <a:endParaRPr lang="en-US" sz="1400" dirty="0">
+                        <a:effectLst/>
+                        <a:latin typeface="Calibri" panose="020F0502020204030204" pitchFamily="34" charset="0"/>
+                        <a:ea typeface="Calibri" panose="020F0502020204030204" pitchFamily="34" charset="0"/>
+                        <a:cs typeface="Times New Roman" panose="02020603050405020304" pitchFamily="18" charset="0"/>
+                      </a:endParaRPr>
+                    </a:p>
+                  </a:txBody>
+                  <a:tcPr marL="26146" marR="26146" marT="0" marB="0"/>
+                </a:tc>
+                <a:tc>
+                  <a:txBody>
+                    <a:bodyPr/>
+                    <a:lstStyle/>
+                    <a:p>
+                      <a:pPr marL="0" marR="0">
+                        <a:lnSpc>
+                          <a:spcPct val="107000"/>
+                        </a:lnSpc>
+                        <a:spcBef>
+                          <a:spcPts val="0"/>
+                        </a:spcBef>
+                        <a:spcAft>
+                          <a:spcPts val="0"/>
+                        </a:spcAft>
+                      </a:pPr>
+                      <a:r>
+                        <a:rPr lang="en-US" sz="1400">
+                          <a:effectLst/>
+                        </a:rPr>
+                        <a:t>User will be created</a:t>
+                      </a:r>
+                      <a:endParaRPr lang="en-US" sz="1400">
+                        <a:effectLst/>
+                        <a:latin typeface="Calibri" panose="020F0502020204030204" pitchFamily="34" charset="0"/>
+                        <a:ea typeface="Calibri" panose="020F0502020204030204" pitchFamily="34" charset="0"/>
+                        <a:cs typeface="Times New Roman" panose="02020603050405020304" pitchFamily="18" charset="0"/>
+                      </a:endParaRPr>
+                    </a:p>
+                  </a:txBody>
+                  <a:tcPr marL="26146" marR="26146" marT="0" marB="0"/>
+                </a:tc>
+                <a:tc>
+                  <a:txBody>
+                    <a:bodyPr/>
+                    <a:lstStyle/>
+                    <a:p>
+                      <a:pPr marL="0" marR="0">
+                        <a:lnSpc>
+                          <a:spcPct val="107000"/>
+                        </a:lnSpc>
+                        <a:spcBef>
+                          <a:spcPts val="0"/>
+                        </a:spcBef>
+                        <a:spcAft>
+                          <a:spcPts val="0"/>
+                        </a:spcAft>
+                      </a:pPr>
+                      <a:r>
+                        <a:rPr lang="en-US" sz="1400">
+                          <a:effectLst/>
+                        </a:rPr>
+                        <a:t>User was created</a:t>
+                      </a:r>
+                      <a:endParaRPr lang="en-US" sz="1400">
+                        <a:effectLst/>
+                        <a:latin typeface="Calibri" panose="020F0502020204030204" pitchFamily="34" charset="0"/>
+                        <a:ea typeface="Calibri" panose="020F0502020204030204" pitchFamily="34" charset="0"/>
+                        <a:cs typeface="Times New Roman" panose="02020603050405020304" pitchFamily="18" charset="0"/>
+                      </a:endParaRPr>
+                    </a:p>
+                  </a:txBody>
+                  <a:tcPr marL="26146" marR="26146" marT="0" marB="0"/>
+                </a:tc>
+                <a:tc>
+                  <a:txBody>
+                    <a:bodyPr/>
+                    <a:lstStyle/>
+                    <a:p>
+                      <a:pPr marL="0" marR="0">
+                        <a:lnSpc>
+                          <a:spcPct val="107000"/>
+                        </a:lnSpc>
+                        <a:spcBef>
+                          <a:spcPts val="0"/>
+                        </a:spcBef>
+                        <a:spcAft>
+                          <a:spcPts val="0"/>
+                        </a:spcAft>
+                      </a:pPr>
+                      <a:r>
+                        <a:rPr lang="en-US" sz="1400" dirty="0">
+                          <a:effectLst/>
+                        </a:rPr>
+                        <a:t>20-Apr-16</a:t>
+                      </a:r>
+                      <a:endParaRPr lang="en-US" sz="1400" dirty="0">
+                        <a:effectLst/>
+                        <a:latin typeface="Calibri" panose="020F0502020204030204" pitchFamily="34" charset="0"/>
+                        <a:ea typeface="Calibri" panose="020F0502020204030204" pitchFamily="34" charset="0"/>
+                        <a:cs typeface="Times New Roman" panose="02020603050405020304" pitchFamily="18" charset="0"/>
+                      </a:endParaRPr>
+                    </a:p>
+                  </a:txBody>
+                  <a:tcPr marL="26146" marR="26146" marT="0" marB="0"/>
+                </a:tc>
+                <a:tc>
+                  <a:txBody>
+                    <a:bodyPr/>
+                    <a:lstStyle/>
+                    <a:p>
+                      <a:pPr marL="0" marR="0">
+                        <a:lnSpc>
+                          <a:spcPct val="107000"/>
+                        </a:lnSpc>
+                        <a:spcBef>
+                          <a:spcPts val="0"/>
+                        </a:spcBef>
+                        <a:spcAft>
+                          <a:spcPts val="0"/>
+                        </a:spcAft>
+                      </a:pPr>
+                      <a:r>
+                        <a:rPr lang="en-US" sz="1400" dirty="0">
+                          <a:effectLst/>
+                        </a:rPr>
+                        <a:t>Mitch Powell</a:t>
+                      </a:r>
+                      <a:endParaRPr lang="en-US" sz="1400" dirty="0">
+                        <a:effectLst/>
+                        <a:latin typeface="Calibri" panose="020F0502020204030204" pitchFamily="34" charset="0"/>
+                        <a:ea typeface="Calibri" panose="020F0502020204030204" pitchFamily="34" charset="0"/>
+                        <a:cs typeface="Times New Roman" panose="02020603050405020304" pitchFamily="18" charset="0"/>
+                      </a:endParaRPr>
+                    </a:p>
+                  </a:txBody>
+                  <a:tcPr marL="26146" marR="26146" marT="0" marB="0"/>
+                </a:tc>
+              </a:tr>
+              <a:tr h="565214">
+                <a:tc>
+                  <a:txBody>
+                    <a:bodyPr/>
+                    <a:lstStyle/>
+                    <a:p>
+                      <a:pPr marL="0" marR="0">
+                        <a:lnSpc>
+                          <a:spcPct val="107000"/>
+                        </a:lnSpc>
+                        <a:spcBef>
+                          <a:spcPts val="0"/>
+                        </a:spcBef>
+                        <a:spcAft>
+                          <a:spcPts val="0"/>
+                        </a:spcAft>
+                      </a:pPr>
+                      <a:r>
+                        <a:rPr lang="en-US" sz="1400">
+                          <a:effectLst/>
+                        </a:rPr>
+                        <a:t>2</a:t>
+                      </a:r>
+                      <a:endParaRPr lang="en-US" sz="1400">
+                        <a:effectLst/>
+                        <a:latin typeface="Calibri" panose="020F0502020204030204" pitchFamily="34" charset="0"/>
+                        <a:ea typeface="Calibri" panose="020F0502020204030204" pitchFamily="34" charset="0"/>
+                        <a:cs typeface="Times New Roman" panose="02020603050405020304" pitchFamily="18" charset="0"/>
+                      </a:endParaRPr>
+                    </a:p>
+                  </a:txBody>
+                  <a:tcPr marL="26146" marR="26146" marT="0" marB="0"/>
+                </a:tc>
+                <a:tc>
+                  <a:txBody>
+                    <a:bodyPr/>
+                    <a:lstStyle/>
+                    <a:p>
+                      <a:pPr marL="0" marR="0">
+                        <a:lnSpc>
+                          <a:spcPct val="107000"/>
+                        </a:lnSpc>
+                        <a:spcBef>
+                          <a:spcPts val="0"/>
+                        </a:spcBef>
+                        <a:spcAft>
+                          <a:spcPts val="0"/>
+                        </a:spcAft>
+                      </a:pPr>
+                      <a:r>
+                        <a:rPr lang="en-US" sz="1400">
+                          <a:effectLst/>
+                        </a:rPr>
+                        <a:t>Attempt to create user with pre-existing user information</a:t>
+                      </a:r>
+                      <a:endParaRPr lang="en-US" sz="1400">
+                        <a:effectLst/>
+                        <a:latin typeface="Calibri" panose="020F0502020204030204" pitchFamily="34" charset="0"/>
+                        <a:ea typeface="Calibri" panose="020F0502020204030204" pitchFamily="34" charset="0"/>
+                        <a:cs typeface="Times New Roman" panose="02020603050405020304" pitchFamily="18" charset="0"/>
+                      </a:endParaRPr>
+                    </a:p>
+                  </a:txBody>
+                  <a:tcPr marL="26146" marR="26146" marT="0" marB="0"/>
+                </a:tc>
+                <a:tc>
+                  <a:txBody>
+                    <a:bodyPr/>
+                    <a:lstStyle/>
+                    <a:p>
+                      <a:pPr marL="0" marR="0">
+                        <a:lnSpc>
+                          <a:spcPct val="107000"/>
+                        </a:lnSpc>
+                        <a:spcBef>
+                          <a:spcPts val="0"/>
+                        </a:spcBef>
+                        <a:spcAft>
+                          <a:spcPts val="0"/>
+                        </a:spcAft>
+                      </a:pPr>
+                      <a:r>
+                        <a:rPr lang="en-US" sz="1400">
+                          <a:effectLst/>
+                        </a:rPr>
+                        <a:t>It tells you that information has been used.</a:t>
+                      </a:r>
+                      <a:endParaRPr lang="en-US" sz="1400">
+                        <a:effectLst/>
+                        <a:latin typeface="Calibri" panose="020F0502020204030204" pitchFamily="34" charset="0"/>
+                        <a:ea typeface="Calibri" panose="020F0502020204030204" pitchFamily="34" charset="0"/>
+                        <a:cs typeface="Times New Roman" panose="02020603050405020304" pitchFamily="18" charset="0"/>
+                      </a:endParaRPr>
+                    </a:p>
+                  </a:txBody>
+                  <a:tcPr marL="26146" marR="26146" marT="0" marB="0"/>
+                </a:tc>
+                <a:tc>
+                  <a:txBody>
+                    <a:bodyPr/>
+                    <a:lstStyle/>
+                    <a:p>
+                      <a:pPr marL="0" marR="0">
+                        <a:lnSpc>
+                          <a:spcPct val="107000"/>
+                        </a:lnSpc>
+                        <a:spcBef>
+                          <a:spcPts val="0"/>
+                        </a:spcBef>
+                        <a:spcAft>
+                          <a:spcPts val="0"/>
+                        </a:spcAft>
+                      </a:pPr>
+                      <a:r>
+                        <a:rPr lang="en-US" sz="1400">
+                          <a:effectLst/>
+                        </a:rPr>
+                        <a:t>It returned that the information is in use by another user.</a:t>
+                      </a:r>
+                      <a:endParaRPr lang="en-US" sz="1400">
+                        <a:effectLst/>
+                        <a:latin typeface="Calibri" panose="020F0502020204030204" pitchFamily="34" charset="0"/>
+                        <a:ea typeface="Calibri" panose="020F0502020204030204" pitchFamily="34" charset="0"/>
+                        <a:cs typeface="Times New Roman" panose="02020603050405020304" pitchFamily="18" charset="0"/>
+                      </a:endParaRPr>
+                    </a:p>
+                  </a:txBody>
+                  <a:tcPr marL="26146" marR="26146" marT="0" marB="0"/>
+                </a:tc>
+                <a:tc>
+                  <a:txBody>
+                    <a:bodyPr/>
+                    <a:lstStyle/>
+                    <a:p>
+                      <a:pPr marL="0" marR="0">
+                        <a:lnSpc>
+                          <a:spcPct val="107000"/>
+                        </a:lnSpc>
+                        <a:spcBef>
+                          <a:spcPts val="0"/>
+                        </a:spcBef>
+                        <a:spcAft>
+                          <a:spcPts val="0"/>
+                        </a:spcAft>
+                      </a:pPr>
+                      <a:r>
+                        <a:rPr lang="en-US" sz="1400" dirty="0">
+                          <a:effectLst/>
+                        </a:rPr>
+                        <a:t>21-Apr-16</a:t>
+                      </a:r>
+                      <a:endParaRPr lang="en-US" sz="1400" dirty="0">
+                        <a:effectLst/>
+                        <a:latin typeface="Calibri" panose="020F0502020204030204" pitchFamily="34" charset="0"/>
+                        <a:ea typeface="Calibri" panose="020F0502020204030204" pitchFamily="34" charset="0"/>
+                        <a:cs typeface="Times New Roman" panose="02020603050405020304" pitchFamily="18" charset="0"/>
+                      </a:endParaRPr>
+                    </a:p>
+                  </a:txBody>
+                  <a:tcPr marL="26146" marR="26146" marT="0" marB="0"/>
+                </a:tc>
+                <a:tc>
+                  <a:txBody>
+                    <a:bodyPr/>
+                    <a:lstStyle/>
+                    <a:p>
+                      <a:pPr marL="0" marR="0">
+                        <a:lnSpc>
+                          <a:spcPct val="107000"/>
+                        </a:lnSpc>
+                        <a:spcBef>
+                          <a:spcPts val="0"/>
+                        </a:spcBef>
+                        <a:spcAft>
+                          <a:spcPts val="0"/>
+                        </a:spcAft>
+                      </a:pPr>
+                      <a:r>
+                        <a:rPr lang="en-US" sz="1400" dirty="0">
+                          <a:effectLst/>
+                        </a:rPr>
+                        <a:t>Jeremy Brown</a:t>
+                      </a:r>
+                      <a:endParaRPr lang="en-US" sz="1400" dirty="0">
+                        <a:effectLst/>
+                        <a:latin typeface="Calibri" panose="020F0502020204030204" pitchFamily="34" charset="0"/>
+                        <a:ea typeface="Calibri" panose="020F0502020204030204" pitchFamily="34" charset="0"/>
+                        <a:cs typeface="Times New Roman" panose="02020603050405020304" pitchFamily="18" charset="0"/>
+                      </a:endParaRPr>
+                    </a:p>
+                  </a:txBody>
+                  <a:tcPr marL="26146" marR="26146" marT="0" marB="0"/>
+                </a:tc>
+              </a:tr>
+              <a:tr h="565214">
+                <a:tc>
+                  <a:txBody>
+                    <a:bodyPr/>
+                    <a:lstStyle/>
+                    <a:p>
+                      <a:pPr marL="0" marR="0">
+                        <a:lnSpc>
+                          <a:spcPct val="107000"/>
+                        </a:lnSpc>
+                        <a:spcBef>
+                          <a:spcPts val="0"/>
+                        </a:spcBef>
+                        <a:spcAft>
+                          <a:spcPts val="0"/>
+                        </a:spcAft>
+                      </a:pPr>
+                      <a:r>
+                        <a:rPr lang="en-US" sz="1400">
+                          <a:effectLst/>
+                        </a:rPr>
+                        <a:t>3</a:t>
+                      </a:r>
+                      <a:endParaRPr lang="en-US" sz="1400">
+                        <a:effectLst/>
+                        <a:latin typeface="Calibri" panose="020F0502020204030204" pitchFamily="34" charset="0"/>
+                        <a:ea typeface="Calibri" panose="020F0502020204030204" pitchFamily="34" charset="0"/>
+                        <a:cs typeface="Times New Roman" panose="02020603050405020304" pitchFamily="18" charset="0"/>
+                      </a:endParaRPr>
+                    </a:p>
+                  </a:txBody>
+                  <a:tcPr marL="26146" marR="26146" marT="0" marB="0"/>
+                </a:tc>
+                <a:tc>
+                  <a:txBody>
+                    <a:bodyPr/>
+                    <a:lstStyle/>
+                    <a:p>
+                      <a:pPr marL="0" marR="0">
+                        <a:lnSpc>
+                          <a:spcPct val="107000"/>
+                        </a:lnSpc>
+                        <a:spcBef>
+                          <a:spcPts val="0"/>
+                        </a:spcBef>
+                        <a:spcAft>
+                          <a:spcPts val="0"/>
+                        </a:spcAft>
+                      </a:pPr>
+                      <a:r>
+                        <a:rPr lang="en-US" sz="1400">
+                          <a:effectLst/>
+                        </a:rPr>
+                        <a:t>Search for an Artist</a:t>
+                      </a:r>
+                      <a:endParaRPr lang="en-US" sz="1400">
+                        <a:effectLst/>
+                        <a:latin typeface="Calibri" panose="020F0502020204030204" pitchFamily="34" charset="0"/>
+                        <a:ea typeface="Calibri" panose="020F0502020204030204" pitchFamily="34" charset="0"/>
+                        <a:cs typeface="Times New Roman" panose="02020603050405020304" pitchFamily="18" charset="0"/>
+                      </a:endParaRPr>
+                    </a:p>
+                  </a:txBody>
+                  <a:tcPr marL="26146" marR="26146" marT="0" marB="0"/>
+                </a:tc>
+                <a:tc>
+                  <a:txBody>
+                    <a:bodyPr/>
+                    <a:lstStyle/>
+                    <a:p>
+                      <a:pPr marL="0" marR="0">
+                        <a:lnSpc>
+                          <a:spcPct val="107000"/>
+                        </a:lnSpc>
+                        <a:spcBef>
+                          <a:spcPts val="0"/>
+                        </a:spcBef>
+                        <a:spcAft>
+                          <a:spcPts val="0"/>
+                        </a:spcAft>
+                      </a:pPr>
+                      <a:r>
+                        <a:rPr lang="en-US" sz="1400">
+                          <a:effectLst/>
+                        </a:rPr>
+                        <a:t>Returns Artist</a:t>
+                      </a:r>
+                      <a:endParaRPr lang="en-US" sz="1400">
+                        <a:effectLst/>
+                        <a:latin typeface="Calibri" panose="020F0502020204030204" pitchFamily="34" charset="0"/>
+                        <a:ea typeface="Calibri" panose="020F0502020204030204" pitchFamily="34" charset="0"/>
+                        <a:cs typeface="Times New Roman" panose="02020603050405020304" pitchFamily="18" charset="0"/>
+                      </a:endParaRPr>
+                    </a:p>
+                  </a:txBody>
+                  <a:tcPr marL="26146" marR="26146" marT="0" marB="0"/>
+                </a:tc>
+                <a:tc>
+                  <a:txBody>
+                    <a:bodyPr/>
+                    <a:lstStyle/>
+                    <a:p>
+                      <a:pPr marL="0" marR="0">
+                        <a:lnSpc>
+                          <a:spcPct val="107000"/>
+                        </a:lnSpc>
+                        <a:spcBef>
+                          <a:spcPts val="0"/>
+                        </a:spcBef>
+                        <a:spcAft>
+                          <a:spcPts val="0"/>
+                        </a:spcAft>
+                      </a:pPr>
+                      <a:r>
+                        <a:rPr lang="en-US" sz="1400">
+                          <a:effectLst/>
+                        </a:rPr>
+                        <a:t>Artist index was out of range. Fixed by increasing allowed index</a:t>
+                      </a:r>
+                      <a:endParaRPr lang="en-US" sz="1400">
+                        <a:effectLst/>
+                        <a:latin typeface="Calibri" panose="020F0502020204030204" pitchFamily="34" charset="0"/>
+                        <a:ea typeface="Calibri" panose="020F0502020204030204" pitchFamily="34" charset="0"/>
+                        <a:cs typeface="Times New Roman" panose="02020603050405020304" pitchFamily="18" charset="0"/>
+                      </a:endParaRPr>
+                    </a:p>
+                  </a:txBody>
+                  <a:tcPr marL="26146" marR="26146" marT="0" marB="0"/>
+                </a:tc>
+                <a:tc>
+                  <a:txBody>
+                    <a:bodyPr/>
+                    <a:lstStyle/>
+                    <a:p>
+                      <a:pPr marL="0" marR="0">
+                        <a:lnSpc>
+                          <a:spcPct val="107000"/>
+                        </a:lnSpc>
+                        <a:spcBef>
+                          <a:spcPts val="0"/>
+                        </a:spcBef>
+                        <a:spcAft>
+                          <a:spcPts val="0"/>
+                        </a:spcAft>
+                      </a:pPr>
+                      <a:r>
+                        <a:rPr lang="en-US" sz="1400" dirty="0">
+                          <a:effectLst/>
+                        </a:rPr>
+                        <a:t>22-Apr-16</a:t>
+                      </a:r>
+                      <a:endParaRPr lang="en-US" sz="1400" dirty="0">
+                        <a:effectLst/>
+                        <a:latin typeface="Calibri" panose="020F0502020204030204" pitchFamily="34" charset="0"/>
+                        <a:ea typeface="Calibri" panose="020F0502020204030204" pitchFamily="34" charset="0"/>
+                        <a:cs typeface="Times New Roman" panose="02020603050405020304" pitchFamily="18" charset="0"/>
+                      </a:endParaRPr>
+                    </a:p>
+                  </a:txBody>
+                  <a:tcPr marL="26146" marR="26146" marT="0" marB="0"/>
+                </a:tc>
+                <a:tc>
+                  <a:txBody>
+                    <a:bodyPr/>
+                    <a:lstStyle/>
+                    <a:p>
+                      <a:pPr marL="0" marR="0">
+                        <a:lnSpc>
+                          <a:spcPct val="107000"/>
+                        </a:lnSpc>
+                        <a:spcBef>
+                          <a:spcPts val="0"/>
+                        </a:spcBef>
+                        <a:spcAft>
+                          <a:spcPts val="0"/>
+                        </a:spcAft>
+                      </a:pPr>
+                      <a:r>
+                        <a:rPr lang="en-US" sz="1400" dirty="0">
+                          <a:effectLst/>
+                        </a:rPr>
+                        <a:t>Mitch Powell</a:t>
+                      </a:r>
+                      <a:endParaRPr lang="en-US" sz="1400" dirty="0">
+                        <a:effectLst/>
+                        <a:latin typeface="Calibri" panose="020F0502020204030204" pitchFamily="34" charset="0"/>
+                        <a:ea typeface="Calibri" panose="020F0502020204030204" pitchFamily="34" charset="0"/>
+                        <a:cs typeface="Times New Roman" panose="02020603050405020304" pitchFamily="18" charset="0"/>
+                      </a:endParaRPr>
+                    </a:p>
+                  </a:txBody>
+                  <a:tcPr marL="26146" marR="26146" marT="0" marB="0"/>
+                </a:tc>
+              </a:tr>
+              <a:tr h="565214">
+                <a:tc>
+                  <a:txBody>
+                    <a:bodyPr/>
+                    <a:lstStyle/>
+                    <a:p>
+                      <a:pPr marL="0" marR="0">
+                        <a:lnSpc>
+                          <a:spcPct val="107000"/>
+                        </a:lnSpc>
+                        <a:spcBef>
+                          <a:spcPts val="0"/>
+                        </a:spcBef>
+                        <a:spcAft>
+                          <a:spcPts val="0"/>
+                        </a:spcAft>
+                      </a:pPr>
+                      <a:r>
+                        <a:rPr lang="en-US" sz="1400">
+                          <a:effectLst/>
+                        </a:rPr>
+                        <a:t>4</a:t>
+                      </a:r>
+                      <a:endParaRPr lang="en-US" sz="1400">
+                        <a:effectLst/>
+                        <a:latin typeface="Calibri" panose="020F0502020204030204" pitchFamily="34" charset="0"/>
+                        <a:ea typeface="Calibri" panose="020F0502020204030204" pitchFamily="34" charset="0"/>
+                        <a:cs typeface="Times New Roman" panose="02020603050405020304" pitchFamily="18" charset="0"/>
+                      </a:endParaRPr>
+                    </a:p>
+                  </a:txBody>
+                  <a:tcPr marL="26146" marR="26146" marT="0" marB="0"/>
+                </a:tc>
+                <a:tc>
+                  <a:txBody>
+                    <a:bodyPr/>
+                    <a:lstStyle/>
+                    <a:p>
+                      <a:pPr marL="0" marR="0">
+                        <a:lnSpc>
+                          <a:spcPct val="107000"/>
+                        </a:lnSpc>
+                        <a:spcBef>
+                          <a:spcPts val="0"/>
+                        </a:spcBef>
+                        <a:spcAft>
+                          <a:spcPts val="0"/>
+                        </a:spcAft>
+                      </a:pPr>
+                      <a:r>
+                        <a:rPr lang="en-US" sz="1400">
+                          <a:effectLst/>
+                        </a:rPr>
+                        <a:t>Search for an Artist that isn't in the database</a:t>
+                      </a:r>
+                      <a:endParaRPr lang="en-US" sz="1400">
+                        <a:effectLst/>
+                        <a:latin typeface="Calibri" panose="020F0502020204030204" pitchFamily="34" charset="0"/>
+                        <a:ea typeface="Calibri" panose="020F0502020204030204" pitchFamily="34" charset="0"/>
+                        <a:cs typeface="Times New Roman" panose="02020603050405020304" pitchFamily="18" charset="0"/>
+                      </a:endParaRPr>
+                    </a:p>
+                  </a:txBody>
+                  <a:tcPr marL="26146" marR="26146" marT="0" marB="0"/>
+                </a:tc>
+                <a:tc>
+                  <a:txBody>
+                    <a:bodyPr/>
+                    <a:lstStyle/>
+                    <a:p>
+                      <a:pPr marL="0" marR="0">
+                        <a:lnSpc>
+                          <a:spcPct val="107000"/>
+                        </a:lnSpc>
+                        <a:spcBef>
+                          <a:spcPts val="0"/>
+                        </a:spcBef>
+                        <a:spcAft>
+                          <a:spcPts val="0"/>
+                        </a:spcAft>
+                      </a:pPr>
+                      <a:r>
+                        <a:rPr lang="en-US" sz="1400">
+                          <a:effectLst/>
+                        </a:rPr>
+                        <a:t>Returns Artist not found</a:t>
+                      </a:r>
+                      <a:endParaRPr lang="en-US" sz="1400">
+                        <a:effectLst/>
+                        <a:latin typeface="Calibri" panose="020F0502020204030204" pitchFamily="34" charset="0"/>
+                        <a:ea typeface="Calibri" panose="020F0502020204030204" pitchFamily="34" charset="0"/>
+                        <a:cs typeface="Times New Roman" panose="02020603050405020304" pitchFamily="18" charset="0"/>
+                      </a:endParaRPr>
+                    </a:p>
+                  </a:txBody>
+                  <a:tcPr marL="26146" marR="26146" marT="0" marB="0"/>
+                </a:tc>
+                <a:tc>
+                  <a:txBody>
+                    <a:bodyPr/>
+                    <a:lstStyle/>
+                    <a:p>
+                      <a:pPr marL="0" marR="0">
+                        <a:lnSpc>
+                          <a:spcPct val="107000"/>
+                        </a:lnSpc>
+                        <a:spcBef>
+                          <a:spcPts val="0"/>
+                        </a:spcBef>
+                        <a:spcAft>
+                          <a:spcPts val="0"/>
+                        </a:spcAft>
+                      </a:pPr>
+                      <a:r>
+                        <a:rPr lang="en-US" sz="1400">
+                          <a:effectLst/>
+                        </a:rPr>
+                        <a:t>Returned Artist not found.</a:t>
+                      </a:r>
+                      <a:endParaRPr lang="en-US" sz="1400">
+                        <a:effectLst/>
+                        <a:latin typeface="Calibri" panose="020F0502020204030204" pitchFamily="34" charset="0"/>
+                        <a:ea typeface="Calibri" panose="020F0502020204030204" pitchFamily="34" charset="0"/>
+                        <a:cs typeface="Times New Roman" panose="02020603050405020304" pitchFamily="18" charset="0"/>
+                      </a:endParaRPr>
+                    </a:p>
+                  </a:txBody>
+                  <a:tcPr marL="26146" marR="26146" marT="0" marB="0"/>
+                </a:tc>
+                <a:tc>
+                  <a:txBody>
+                    <a:bodyPr/>
+                    <a:lstStyle/>
+                    <a:p>
+                      <a:pPr marL="0" marR="0">
+                        <a:lnSpc>
+                          <a:spcPct val="107000"/>
+                        </a:lnSpc>
+                        <a:spcBef>
+                          <a:spcPts val="0"/>
+                        </a:spcBef>
+                        <a:spcAft>
+                          <a:spcPts val="0"/>
+                        </a:spcAft>
+                      </a:pPr>
+                      <a:r>
+                        <a:rPr lang="en-US" sz="1400" dirty="0">
+                          <a:effectLst/>
+                        </a:rPr>
+                        <a:t>23-Apr-16</a:t>
+                      </a:r>
+                      <a:endParaRPr lang="en-US" sz="1400" dirty="0">
+                        <a:effectLst/>
+                        <a:latin typeface="Calibri" panose="020F0502020204030204" pitchFamily="34" charset="0"/>
+                        <a:ea typeface="Calibri" panose="020F0502020204030204" pitchFamily="34" charset="0"/>
+                        <a:cs typeface="Times New Roman" panose="02020603050405020304" pitchFamily="18" charset="0"/>
+                      </a:endParaRPr>
+                    </a:p>
+                  </a:txBody>
+                  <a:tcPr marL="26146" marR="26146" marT="0" marB="0"/>
+                </a:tc>
+                <a:tc>
+                  <a:txBody>
+                    <a:bodyPr/>
+                    <a:lstStyle/>
+                    <a:p>
+                      <a:pPr marL="0" marR="0">
+                        <a:lnSpc>
+                          <a:spcPct val="107000"/>
+                        </a:lnSpc>
+                        <a:spcBef>
+                          <a:spcPts val="0"/>
+                        </a:spcBef>
+                        <a:spcAft>
+                          <a:spcPts val="0"/>
+                        </a:spcAft>
+                      </a:pPr>
+                      <a:r>
+                        <a:rPr lang="en-US" sz="1400" dirty="0">
+                          <a:effectLst/>
+                        </a:rPr>
+                        <a:t>Brandyn </a:t>
+                      </a:r>
+                      <a:r>
+                        <a:rPr lang="en-US" sz="1400" dirty="0" err="1">
+                          <a:effectLst/>
+                        </a:rPr>
+                        <a:t>Deffinbaugh</a:t>
+                      </a:r>
+                      <a:endParaRPr lang="en-US" sz="1400" dirty="0">
+                        <a:effectLst/>
+                        <a:latin typeface="Calibri" panose="020F0502020204030204" pitchFamily="34" charset="0"/>
+                        <a:ea typeface="Calibri" panose="020F0502020204030204" pitchFamily="34" charset="0"/>
+                        <a:cs typeface="Times New Roman" panose="02020603050405020304" pitchFamily="18" charset="0"/>
+                      </a:endParaRPr>
+                    </a:p>
+                  </a:txBody>
+                  <a:tcPr marL="26146" marR="26146" marT="0" marB="0"/>
+                </a:tc>
+              </a:tr>
+              <a:tr h="565214">
+                <a:tc>
+                  <a:txBody>
+                    <a:bodyPr/>
+                    <a:lstStyle/>
+                    <a:p>
+                      <a:pPr marL="0" marR="0">
+                        <a:lnSpc>
+                          <a:spcPct val="107000"/>
+                        </a:lnSpc>
+                        <a:spcBef>
+                          <a:spcPts val="0"/>
+                        </a:spcBef>
+                        <a:spcAft>
+                          <a:spcPts val="0"/>
+                        </a:spcAft>
+                      </a:pPr>
+                      <a:r>
+                        <a:rPr lang="en-US" sz="1400">
+                          <a:effectLst/>
+                        </a:rPr>
+                        <a:t>5</a:t>
+                      </a:r>
+                      <a:endParaRPr lang="en-US" sz="1400">
+                        <a:effectLst/>
+                        <a:latin typeface="Calibri" panose="020F0502020204030204" pitchFamily="34" charset="0"/>
+                        <a:ea typeface="Calibri" panose="020F0502020204030204" pitchFamily="34" charset="0"/>
+                        <a:cs typeface="Times New Roman" panose="02020603050405020304" pitchFamily="18" charset="0"/>
+                      </a:endParaRPr>
+                    </a:p>
+                  </a:txBody>
+                  <a:tcPr marL="26146" marR="26146" marT="0" marB="0"/>
+                </a:tc>
+                <a:tc>
+                  <a:txBody>
+                    <a:bodyPr/>
+                    <a:lstStyle/>
+                    <a:p>
+                      <a:pPr marL="0" marR="0">
+                        <a:lnSpc>
+                          <a:spcPct val="107000"/>
+                        </a:lnSpc>
+                        <a:spcBef>
+                          <a:spcPts val="0"/>
+                        </a:spcBef>
+                        <a:spcAft>
+                          <a:spcPts val="0"/>
+                        </a:spcAft>
+                      </a:pPr>
+                      <a:r>
+                        <a:rPr lang="en-US" sz="1400">
+                          <a:effectLst/>
+                        </a:rPr>
+                        <a:t>Login with previously created user</a:t>
+                      </a:r>
+                      <a:endParaRPr lang="en-US" sz="1400">
+                        <a:effectLst/>
+                        <a:latin typeface="Calibri" panose="020F0502020204030204" pitchFamily="34" charset="0"/>
+                        <a:ea typeface="Calibri" panose="020F0502020204030204" pitchFamily="34" charset="0"/>
+                        <a:cs typeface="Times New Roman" panose="02020603050405020304" pitchFamily="18" charset="0"/>
+                      </a:endParaRPr>
+                    </a:p>
+                  </a:txBody>
+                  <a:tcPr marL="26146" marR="26146" marT="0" marB="0"/>
+                </a:tc>
+                <a:tc>
+                  <a:txBody>
+                    <a:bodyPr/>
+                    <a:lstStyle/>
+                    <a:p>
+                      <a:pPr marL="0" marR="0">
+                        <a:lnSpc>
+                          <a:spcPct val="107000"/>
+                        </a:lnSpc>
+                        <a:spcBef>
+                          <a:spcPts val="0"/>
+                        </a:spcBef>
+                        <a:spcAft>
+                          <a:spcPts val="0"/>
+                        </a:spcAft>
+                      </a:pPr>
+                      <a:r>
+                        <a:rPr lang="en-US" sz="1400">
+                          <a:effectLst/>
+                        </a:rPr>
+                        <a:t>Logs in</a:t>
+                      </a:r>
+                      <a:endParaRPr lang="en-US" sz="1400">
+                        <a:effectLst/>
+                        <a:latin typeface="Calibri" panose="020F0502020204030204" pitchFamily="34" charset="0"/>
+                        <a:ea typeface="Calibri" panose="020F0502020204030204" pitchFamily="34" charset="0"/>
+                        <a:cs typeface="Times New Roman" panose="02020603050405020304" pitchFamily="18" charset="0"/>
+                      </a:endParaRPr>
+                    </a:p>
+                  </a:txBody>
+                  <a:tcPr marL="26146" marR="26146" marT="0" marB="0"/>
+                </a:tc>
+                <a:tc>
+                  <a:txBody>
+                    <a:bodyPr/>
+                    <a:lstStyle/>
+                    <a:p>
+                      <a:pPr marL="0" marR="0">
+                        <a:lnSpc>
+                          <a:spcPct val="107000"/>
+                        </a:lnSpc>
+                        <a:spcBef>
+                          <a:spcPts val="0"/>
+                        </a:spcBef>
+                        <a:spcAft>
+                          <a:spcPts val="0"/>
+                        </a:spcAft>
+                      </a:pPr>
+                      <a:r>
+                        <a:rPr lang="en-US" sz="1400">
+                          <a:effectLst/>
+                        </a:rPr>
+                        <a:t>Logs in</a:t>
+                      </a:r>
+                      <a:endParaRPr lang="en-US" sz="1400">
+                        <a:effectLst/>
+                        <a:latin typeface="Calibri" panose="020F0502020204030204" pitchFamily="34" charset="0"/>
+                        <a:ea typeface="Calibri" panose="020F0502020204030204" pitchFamily="34" charset="0"/>
+                        <a:cs typeface="Times New Roman" panose="02020603050405020304" pitchFamily="18" charset="0"/>
+                      </a:endParaRPr>
+                    </a:p>
+                  </a:txBody>
+                  <a:tcPr marL="26146" marR="26146" marT="0" marB="0"/>
+                </a:tc>
+                <a:tc>
+                  <a:txBody>
+                    <a:bodyPr/>
+                    <a:lstStyle/>
+                    <a:p>
+                      <a:pPr marL="0" marR="0">
+                        <a:lnSpc>
+                          <a:spcPct val="107000"/>
+                        </a:lnSpc>
+                        <a:spcBef>
+                          <a:spcPts val="0"/>
+                        </a:spcBef>
+                        <a:spcAft>
+                          <a:spcPts val="0"/>
+                        </a:spcAft>
+                      </a:pPr>
+                      <a:r>
+                        <a:rPr lang="en-US" sz="1400" dirty="0">
+                          <a:effectLst/>
+                        </a:rPr>
+                        <a:t>24-Apr-16</a:t>
+                      </a:r>
+                      <a:endParaRPr lang="en-US" sz="1400" dirty="0">
+                        <a:effectLst/>
+                        <a:latin typeface="Calibri" panose="020F0502020204030204" pitchFamily="34" charset="0"/>
+                        <a:ea typeface="Calibri" panose="020F0502020204030204" pitchFamily="34" charset="0"/>
+                        <a:cs typeface="Times New Roman" panose="02020603050405020304" pitchFamily="18" charset="0"/>
+                      </a:endParaRPr>
+                    </a:p>
+                  </a:txBody>
+                  <a:tcPr marL="26146" marR="26146" marT="0" marB="0"/>
+                </a:tc>
+                <a:tc>
+                  <a:txBody>
+                    <a:bodyPr/>
+                    <a:lstStyle/>
+                    <a:p>
+                      <a:pPr marL="0" marR="0">
+                        <a:lnSpc>
+                          <a:spcPct val="107000"/>
+                        </a:lnSpc>
+                        <a:spcBef>
+                          <a:spcPts val="0"/>
+                        </a:spcBef>
+                        <a:spcAft>
+                          <a:spcPts val="0"/>
+                        </a:spcAft>
+                      </a:pPr>
+                      <a:r>
+                        <a:rPr lang="en-US" sz="1400" dirty="0">
+                          <a:effectLst/>
+                        </a:rPr>
+                        <a:t>Jeremy Brown</a:t>
+                      </a:r>
+                      <a:endParaRPr lang="en-US" sz="1400" dirty="0">
+                        <a:effectLst/>
+                        <a:latin typeface="Calibri" panose="020F0502020204030204" pitchFamily="34" charset="0"/>
+                        <a:ea typeface="Calibri" panose="020F0502020204030204" pitchFamily="34" charset="0"/>
+                        <a:cs typeface="Times New Roman" panose="02020603050405020304" pitchFamily="18" charset="0"/>
+                      </a:endParaRPr>
+                    </a:p>
+                  </a:txBody>
+                  <a:tcPr marL="26146" marR="26146" marT="0" marB="0"/>
+                </a:tc>
+              </a:tr>
+              <a:tr h="565214">
+                <a:tc>
+                  <a:txBody>
+                    <a:bodyPr/>
+                    <a:lstStyle/>
+                    <a:p>
+                      <a:pPr marL="0" marR="0">
+                        <a:lnSpc>
+                          <a:spcPct val="107000"/>
+                        </a:lnSpc>
+                        <a:spcBef>
+                          <a:spcPts val="0"/>
+                        </a:spcBef>
+                        <a:spcAft>
+                          <a:spcPts val="0"/>
+                        </a:spcAft>
+                      </a:pPr>
+                      <a:r>
+                        <a:rPr lang="en-US" sz="1400">
+                          <a:effectLst/>
+                        </a:rPr>
+                        <a:t>6</a:t>
+                      </a:r>
+                      <a:endParaRPr lang="en-US" sz="1400">
+                        <a:effectLst/>
+                        <a:latin typeface="Calibri" panose="020F0502020204030204" pitchFamily="34" charset="0"/>
+                        <a:ea typeface="Calibri" panose="020F0502020204030204" pitchFamily="34" charset="0"/>
+                        <a:cs typeface="Times New Roman" panose="02020603050405020304" pitchFamily="18" charset="0"/>
+                      </a:endParaRPr>
+                    </a:p>
+                  </a:txBody>
+                  <a:tcPr marL="26146" marR="26146" marT="0" marB="0"/>
+                </a:tc>
+                <a:tc>
+                  <a:txBody>
+                    <a:bodyPr/>
+                    <a:lstStyle/>
+                    <a:p>
+                      <a:pPr marL="0" marR="0">
+                        <a:lnSpc>
+                          <a:spcPct val="107000"/>
+                        </a:lnSpc>
+                        <a:spcBef>
+                          <a:spcPts val="0"/>
+                        </a:spcBef>
+                        <a:spcAft>
+                          <a:spcPts val="0"/>
+                        </a:spcAft>
+                      </a:pPr>
+                      <a:r>
+                        <a:rPr lang="en-US" sz="1400">
+                          <a:effectLst/>
+                        </a:rPr>
+                        <a:t>Login with wrong information or non-created information</a:t>
+                      </a:r>
+                      <a:endParaRPr lang="en-US" sz="1400">
+                        <a:effectLst/>
+                        <a:latin typeface="Calibri" panose="020F0502020204030204" pitchFamily="34" charset="0"/>
+                        <a:ea typeface="Calibri" panose="020F0502020204030204" pitchFamily="34" charset="0"/>
+                        <a:cs typeface="Times New Roman" panose="02020603050405020304" pitchFamily="18" charset="0"/>
+                      </a:endParaRPr>
+                    </a:p>
+                  </a:txBody>
+                  <a:tcPr marL="26146" marR="26146" marT="0" marB="0"/>
+                </a:tc>
+                <a:tc>
+                  <a:txBody>
+                    <a:bodyPr/>
+                    <a:lstStyle/>
+                    <a:p>
+                      <a:pPr marL="0" marR="0">
+                        <a:lnSpc>
+                          <a:spcPct val="107000"/>
+                        </a:lnSpc>
+                        <a:spcBef>
+                          <a:spcPts val="0"/>
+                        </a:spcBef>
+                        <a:spcAft>
+                          <a:spcPts val="0"/>
+                        </a:spcAft>
+                      </a:pPr>
+                      <a:r>
+                        <a:rPr lang="en-US" sz="1400">
+                          <a:effectLst/>
+                        </a:rPr>
+                        <a:t>Returns login error</a:t>
+                      </a:r>
+                      <a:endParaRPr lang="en-US" sz="1400">
+                        <a:effectLst/>
+                        <a:latin typeface="Calibri" panose="020F0502020204030204" pitchFamily="34" charset="0"/>
+                        <a:ea typeface="Calibri" panose="020F0502020204030204" pitchFamily="34" charset="0"/>
+                        <a:cs typeface="Times New Roman" panose="02020603050405020304" pitchFamily="18" charset="0"/>
+                      </a:endParaRPr>
+                    </a:p>
+                  </a:txBody>
+                  <a:tcPr marL="26146" marR="26146" marT="0" marB="0"/>
+                </a:tc>
+                <a:tc>
+                  <a:txBody>
+                    <a:bodyPr/>
+                    <a:lstStyle/>
+                    <a:p>
+                      <a:pPr marL="0" marR="0">
+                        <a:lnSpc>
+                          <a:spcPct val="107000"/>
+                        </a:lnSpc>
+                        <a:spcBef>
+                          <a:spcPts val="0"/>
+                        </a:spcBef>
+                        <a:spcAft>
+                          <a:spcPts val="0"/>
+                        </a:spcAft>
+                      </a:pPr>
+                      <a:r>
+                        <a:rPr lang="en-US" sz="1400">
+                          <a:effectLst/>
+                        </a:rPr>
+                        <a:t>Returns login error</a:t>
+                      </a:r>
+                      <a:endParaRPr lang="en-US" sz="1400">
+                        <a:effectLst/>
+                        <a:latin typeface="Calibri" panose="020F0502020204030204" pitchFamily="34" charset="0"/>
+                        <a:ea typeface="Calibri" panose="020F0502020204030204" pitchFamily="34" charset="0"/>
+                        <a:cs typeface="Times New Roman" panose="02020603050405020304" pitchFamily="18" charset="0"/>
+                      </a:endParaRPr>
+                    </a:p>
+                  </a:txBody>
+                  <a:tcPr marL="26146" marR="26146" marT="0" marB="0"/>
+                </a:tc>
+                <a:tc>
+                  <a:txBody>
+                    <a:bodyPr/>
+                    <a:lstStyle/>
+                    <a:p>
+                      <a:pPr marL="0" marR="0">
+                        <a:lnSpc>
+                          <a:spcPct val="107000"/>
+                        </a:lnSpc>
+                        <a:spcBef>
+                          <a:spcPts val="0"/>
+                        </a:spcBef>
+                        <a:spcAft>
+                          <a:spcPts val="0"/>
+                        </a:spcAft>
+                      </a:pPr>
+                      <a:r>
+                        <a:rPr lang="en-US" sz="1400" dirty="0">
+                          <a:effectLst/>
+                        </a:rPr>
+                        <a:t>24-Apr-16</a:t>
+                      </a:r>
+                      <a:endParaRPr lang="en-US" sz="1400" dirty="0">
+                        <a:effectLst/>
+                        <a:latin typeface="Calibri" panose="020F0502020204030204" pitchFamily="34" charset="0"/>
+                        <a:ea typeface="Calibri" panose="020F0502020204030204" pitchFamily="34" charset="0"/>
+                        <a:cs typeface="Times New Roman" panose="02020603050405020304" pitchFamily="18" charset="0"/>
+                      </a:endParaRPr>
+                    </a:p>
+                  </a:txBody>
+                  <a:tcPr marL="26146" marR="26146" marT="0" marB="0"/>
+                </a:tc>
+                <a:tc>
+                  <a:txBody>
+                    <a:bodyPr/>
+                    <a:lstStyle/>
+                    <a:p>
+                      <a:pPr marL="0" marR="0">
+                        <a:lnSpc>
+                          <a:spcPct val="107000"/>
+                        </a:lnSpc>
+                        <a:spcBef>
+                          <a:spcPts val="0"/>
+                        </a:spcBef>
+                        <a:spcAft>
+                          <a:spcPts val="0"/>
+                        </a:spcAft>
+                      </a:pPr>
+                      <a:r>
+                        <a:rPr lang="en-US" sz="1400" dirty="0">
+                          <a:effectLst/>
+                        </a:rPr>
+                        <a:t>Mitch Powell</a:t>
+                      </a:r>
+                      <a:endParaRPr lang="en-US" sz="1400" dirty="0">
+                        <a:effectLst/>
+                        <a:latin typeface="Calibri" panose="020F0502020204030204" pitchFamily="34" charset="0"/>
+                        <a:ea typeface="Calibri" panose="020F0502020204030204" pitchFamily="34" charset="0"/>
+                        <a:cs typeface="Times New Roman" panose="02020603050405020304" pitchFamily="18" charset="0"/>
+                      </a:endParaRPr>
+                    </a:p>
+                  </a:txBody>
+                  <a:tcPr marL="26146" marR="26146" marT="0" marB="0"/>
+                </a:tc>
+              </a:tr>
+              <a:tr h="565214">
+                <a:tc>
+                  <a:txBody>
+                    <a:bodyPr/>
+                    <a:lstStyle/>
+                    <a:p>
+                      <a:pPr marL="0" marR="0">
+                        <a:lnSpc>
+                          <a:spcPct val="107000"/>
+                        </a:lnSpc>
+                        <a:spcBef>
+                          <a:spcPts val="0"/>
+                        </a:spcBef>
+                        <a:spcAft>
+                          <a:spcPts val="0"/>
+                        </a:spcAft>
+                      </a:pPr>
+                      <a:r>
+                        <a:rPr lang="en-US" sz="1400">
+                          <a:effectLst/>
+                        </a:rPr>
+                        <a:t>7</a:t>
+                      </a:r>
+                      <a:endParaRPr lang="en-US" sz="1400">
+                        <a:effectLst/>
+                        <a:latin typeface="Calibri" panose="020F0502020204030204" pitchFamily="34" charset="0"/>
+                        <a:ea typeface="Calibri" panose="020F0502020204030204" pitchFamily="34" charset="0"/>
+                        <a:cs typeface="Times New Roman" panose="02020603050405020304" pitchFamily="18" charset="0"/>
+                      </a:endParaRPr>
+                    </a:p>
+                  </a:txBody>
+                  <a:tcPr marL="26146" marR="26146" marT="0" marB="0"/>
+                </a:tc>
+                <a:tc>
+                  <a:txBody>
+                    <a:bodyPr/>
+                    <a:lstStyle/>
+                    <a:p>
+                      <a:pPr marL="0" marR="0">
+                        <a:lnSpc>
+                          <a:spcPct val="107000"/>
+                        </a:lnSpc>
+                        <a:spcBef>
+                          <a:spcPts val="0"/>
+                        </a:spcBef>
+                        <a:spcAft>
+                          <a:spcPts val="0"/>
+                        </a:spcAft>
+                      </a:pPr>
+                      <a:r>
+                        <a:rPr lang="en-US" sz="1400">
+                          <a:effectLst/>
+                        </a:rPr>
+                        <a:t>Save a band while logged in</a:t>
+                      </a:r>
+                      <a:endParaRPr lang="en-US" sz="1400">
+                        <a:effectLst/>
+                        <a:latin typeface="Calibri" panose="020F0502020204030204" pitchFamily="34" charset="0"/>
+                        <a:ea typeface="Calibri" panose="020F0502020204030204" pitchFamily="34" charset="0"/>
+                        <a:cs typeface="Times New Roman" panose="02020603050405020304" pitchFamily="18" charset="0"/>
+                      </a:endParaRPr>
+                    </a:p>
+                  </a:txBody>
+                  <a:tcPr marL="26146" marR="26146" marT="0" marB="0"/>
+                </a:tc>
+                <a:tc>
+                  <a:txBody>
+                    <a:bodyPr/>
+                    <a:lstStyle/>
+                    <a:p>
+                      <a:pPr marL="0" marR="0">
+                        <a:lnSpc>
+                          <a:spcPct val="107000"/>
+                        </a:lnSpc>
+                        <a:spcBef>
+                          <a:spcPts val="0"/>
+                        </a:spcBef>
+                        <a:spcAft>
+                          <a:spcPts val="0"/>
+                        </a:spcAft>
+                      </a:pPr>
+                      <a:r>
+                        <a:rPr lang="en-US" sz="1400">
+                          <a:effectLst/>
+                        </a:rPr>
+                        <a:t>Saves the band to your saved bands</a:t>
+                      </a:r>
+                      <a:endParaRPr lang="en-US" sz="1400">
+                        <a:effectLst/>
+                        <a:latin typeface="Calibri" panose="020F0502020204030204" pitchFamily="34" charset="0"/>
+                        <a:ea typeface="Calibri" panose="020F0502020204030204" pitchFamily="34" charset="0"/>
+                        <a:cs typeface="Times New Roman" panose="02020603050405020304" pitchFamily="18" charset="0"/>
+                      </a:endParaRPr>
+                    </a:p>
+                  </a:txBody>
+                  <a:tcPr marL="26146" marR="26146" marT="0" marB="0"/>
+                </a:tc>
+                <a:tc>
+                  <a:txBody>
+                    <a:bodyPr/>
+                    <a:lstStyle/>
+                    <a:p>
+                      <a:pPr marL="0" marR="0">
+                        <a:lnSpc>
+                          <a:spcPct val="107000"/>
+                        </a:lnSpc>
+                        <a:spcBef>
+                          <a:spcPts val="0"/>
+                        </a:spcBef>
+                        <a:spcAft>
+                          <a:spcPts val="0"/>
+                        </a:spcAft>
+                      </a:pPr>
+                      <a:r>
+                        <a:rPr lang="en-US" sz="1400">
+                          <a:effectLst/>
+                        </a:rPr>
+                        <a:t>Band was saved</a:t>
+                      </a:r>
+                      <a:endParaRPr lang="en-US" sz="1400">
+                        <a:effectLst/>
+                        <a:latin typeface="Calibri" panose="020F0502020204030204" pitchFamily="34" charset="0"/>
+                        <a:ea typeface="Calibri" panose="020F0502020204030204" pitchFamily="34" charset="0"/>
+                        <a:cs typeface="Times New Roman" panose="02020603050405020304" pitchFamily="18" charset="0"/>
+                      </a:endParaRPr>
+                    </a:p>
+                  </a:txBody>
+                  <a:tcPr marL="26146" marR="26146" marT="0" marB="0"/>
+                </a:tc>
+                <a:tc>
+                  <a:txBody>
+                    <a:bodyPr/>
+                    <a:lstStyle/>
+                    <a:p>
+                      <a:pPr marL="0" marR="0">
+                        <a:lnSpc>
+                          <a:spcPct val="107000"/>
+                        </a:lnSpc>
+                        <a:spcBef>
+                          <a:spcPts val="0"/>
+                        </a:spcBef>
+                        <a:spcAft>
+                          <a:spcPts val="0"/>
+                        </a:spcAft>
+                      </a:pPr>
+                      <a:r>
+                        <a:rPr lang="en-US" sz="1400" dirty="0">
+                          <a:effectLst/>
+                        </a:rPr>
+                        <a:t>24-Apr-16</a:t>
+                      </a:r>
+                      <a:endParaRPr lang="en-US" sz="1400" dirty="0">
+                        <a:effectLst/>
+                        <a:latin typeface="Calibri" panose="020F0502020204030204" pitchFamily="34" charset="0"/>
+                        <a:ea typeface="Calibri" panose="020F0502020204030204" pitchFamily="34" charset="0"/>
+                        <a:cs typeface="Times New Roman" panose="02020603050405020304" pitchFamily="18" charset="0"/>
+                      </a:endParaRPr>
+                    </a:p>
+                  </a:txBody>
+                  <a:tcPr marL="26146" marR="26146" marT="0" marB="0"/>
+                </a:tc>
+                <a:tc>
+                  <a:txBody>
+                    <a:bodyPr/>
+                    <a:lstStyle/>
+                    <a:p>
+                      <a:pPr marL="0" marR="0">
+                        <a:lnSpc>
+                          <a:spcPct val="107000"/>
+                        </a:lnSpc>
+                        <a:spcBef>
+                          <a:spcPts val="0"/>
+                        </a:spcBef>
+                        <a:spcAft>
+                          <a:spcPts val="0"/>
+                        </a:spcAft>
+                      </a:pPr>
+                      <a:r>
+                        <a:rPr lang="en-US" sz="1400">
+                          <a:effectLst/>
+                        </a:rPr>
+                        <a:t>Brandyn Deffinbaugh</a:t>
+                      </a:r>
+                      <a:endParaRPr lang="en-US" sz="1400">
+                        <a:effectLst/>
+                        <a:latin typeface="Calibri" panose="020F0502020204030204" pitchFamily="34" charset="0"/>
+                        <a:ea typeface="Calibri" panose="020F0502020204030204" pitchFamily="34" charset="0"/>
+                        <a:cs typeface="Times New Roman" panose="02020603050405020304" pitchFamily="18" charset="0"/>
+                      </a:endParaRPr>
+                    </a:p>
+                  </a:txBody>
+                  <a:tcPr marL="26146" marR="26146" marT="0" marB="0"/>
+                </a:tc>
+              </a:tr>
+              <a:tr h="565214">
+                <a:tc>
+                  <a:txBody>
+                    <a:bodyPr/>
+                    <a:lstStyle/>
+                    <a:p>
+                      <a:pPr marL="0" marR="0">
+                        <a:lnSpc>
+                          <a:spcPct val="107000"/>
+                        </a:lnSpc>
+                        <a:spcBef>
+                          <a:spcPts val="0"/>
+                        </a:spcBef>
+                        <a:spcAft>
+                          <a:spcPts val="0"/>
+                        </a:spcAft>
+                      </a:pPr>
+                      <a:r>
+                        <a:rPr lang="en-US" sz="1400">
+                          <a:effectLst/>
+                        </a:rPr>
+                        <a:t>8</a:t>
+                      </a:r>
+                      <a:endParaRPr lang="en-US" sz="1400">
+                        <a:effectLst/>
+                        <a:latin typeface="Calibri" panose="020F0502020204030204" pitchFamily="34" charset="0"/>
+                        <a:ea typeface="Calibri" panose="020F0502020204030204" pitchFamily="34" charset="0"/>
+                        <a:cs typeface="Times New Roman" panose="02020603050405020304" pitchFamily="18" charset="0"/>
+                      </a:endParaRPr>
+                    </a:p>
+                  </a:txBody>
+                  <a:tcPr marL="26146" marR="26146" marT="0" marB="0"/>
+                </a:tc>
+                <a:tc>
+                  <a:txBody>
+                    <a:bodyPr/>
+                    <a:lstStyle/>
+                    <a:p>
+                      <a:pPr marL="0" marR="0">
+                        <a:lnSpc>
+                          <a:spcPct val="107000"/>
+                        </a:lnSpc>
+                        <a:spcBef>
+                          <a:spcPts val="0"/>
+                        </a:spcBef>
+                        <a:spcAft>
+                          <a:spcPts val="0"/>
+                        </a:spcAft>
+                      </a:pPr>
+                      <a:r>
+                        <a:rPr lang="en-US" sz="1400">
+                          <a:effectLst/>
+                        </a:rPr>
+                        <a:t>Look at saved bands</a:t>
+                      </a:r>
+                      <a:endParaRPr lang="en-US" sz="1400">
+                        <a:effectLst/>
+                        <a:latin typeface="Calibri" panose="020F0502020204030204" pitchFamily="34" charset="0"/>
+                        <a:ea typeface="Calibri" panose="020F0502020204030204" pitchFamily="34" charset="0"/>
+                        <a:cs typeface="Times New Roman" panose="02020603050405020304" pitchFamily="18" charset="0"/>
+                      </a:endParaRPr>
+                    </a:p>
+                  </a:txBody>
+                  <a:tcPr marL="26146" marR="26146" marT="0" marB="0"/>
+                </a:tc>
+                <a:tc>
+                  <a:txBody>
+                    <a:bodyPr/>
+                    <a:lstStyle/>
+                    <a:p>
+                      <a:pPr marL="0" marR="0">
+                        <a:lnSpc>
+                          <a:spcPct val="107000"/>
+                        </a:lnSpc>
+                        <a:spcBef>
+                          <a:spcPts val="0"/>
+                        </a:spcBef>
+                        <a:spcAft>
+                          <a:spcPts val="0"/>
+                        </a:spcAft>
+                      </a:pPr>
+                      <a:r>
+                        <a:rPr lang="en-US" sz="1400">
+                          <a:effectLst/>
+                        </a:rPr>
+                        <a:t>See list of saved bands</a:t>
+                      </a:r>
+                      <a:endParaRPr lang="en-US" sz="1400">
+                        <a:effectLst/>
+                        <a:latin typeface="Calibri" panose="020F0502020204030204" pitchFamily="34" charset="0"/>
+                        <a:ea typeface="Calibri" panose="020F0502020204030204" pitchFamily="34" charset="0"/>
+                        <a:cs typeface="Times New Roman" panose="02020603050405020304" pitchFamily="18" charset="0"/>
+                      </a:endParaRPr>
+                    </a:p>
+                  </a:txBody>
+                  <a:tcPr marL="26146" marR="26146" marT="0" marB="0"/>
+                </a:tc>
+                <a:tc>
+                  <a:txBody>
+                    <a:bodyPr/>
+                    <a:lstStyle/>
+                    <a:p>
+                      <a:pPr marL="0" marR="0">
+                        <a:lnSpc>
+                          <a:spcPct val="107000"/>
+                        </a:lnSpc>
+                        <a:spcBef>
+                          <a:spcPts val="0"/>
+                        </a:spcBef>
+                        <a:spcAft>
+                          <a:spcPts val="0"/>
+                        </a:spcAft>
+                      </a:pPr>
+                      <a:r>
+                        <a:rPr lang="en-US" sz="1400">
+                          <a:effectLst/>
+                        </a:rPr>
+                        <a:t>Saved bands were found</a:t>
+                      </a:r>
+                      <a:endParaRPr lang="en-US" sz="1400">
+                        <a:effectLst/>
+                        <a:latin typeface="Calibri" panose="020F0502020204030204" pitchFamily="34" charset="0"/>
+                        <a:ea typeface="Calibri" panose="020F0502020204030204" pitchFamily="34" charset="0"/>
+                        <a:cs typeface="Times New Roman" panose="02020603050405020304" pitchFamily="18" charset="0"/>
+                      </a:endParaRPr>
+                    </a:p>
+                  </a:txBody>
+                  <a:tcPr marL="26146" marR="26146" marT="0" marB="0"/>
+                </a:tc>
+                <a:tc>
+                  <a:txBody>
+                    <a:bodyPr/>
+                    <a:lstStyle/>
+                    <a:p>
+                      <a:pPr marL="0" marR="0">
+                        <a:lnSpc>
+                          <a:spcPct val="107000"/>
+                        </a:lnSpc>
+                        <a:spcBef>
+                          <a:spcPts val="0"/>
+                        </a:spcBef>
+                        <a:spcAft>
+                          <a:spcPts val="0"/>
+                        </a:spcAft>
+                      </a:pPr>
+                      <a:r>
+                        <a:rPr lang="en-US" sz="1400" dirty="0">
+                          <a:effectLst/>
+                        </a:rPr>
+                        <a:t>24-Apr-16</a:t>
+                      </a:r>
+                      <a:endParaRPr lang="en-US" sz="1400" dirty="0">
+                        <a:effectLst/>
+                        <a:latin typeface="Calibri" panose="020F0502020204030204" pitchFamily="34" charset="0"/>
+                        <a:ea typeface="Calibri" panose="020F0502020204030204" pitchFamily="34" charset="0"/>
+                        <a:cs typeface="Times New Roman" panose="02020603050405020304" pitchFamily="18" charset="0"/>
+                      </a:endParaRPr>
+                    </a:p>
+                  </a:txBody>
+                  <a:tcPr marL="26146" marR="26146" marT="0" marB="0"/>
+                </a:tc>
+                <a:tc>
+                  <a:txBody>
+                    <a:bodyPr/>
+                    <a:lstStyle/>
+                    <a:p>
+                      <a:pPr marL="0" marR="0">
+                        <a:lnSpc>
+                          <a:spcPct val="107000"/>
+                        </a:lnSpc>
+                        <a:spcBef>
+                          <a:spcPts val="0"/>
+                        </a:spcBef>
+                        <a:spcAft>
+                          <a:spcPts val="0"/>
+                        </a:spcAft>
+                      </a:pPr>
+                      <a:r>
+                        <a:rPr lang="en-US" sz="1400" dirty="0">
+                          <a:effectLst/>
+                        </a:rPr>
+                        <a:t>Brandyn </a:t>
+                      </a:r>
+                      <a:r>
+                        <a:rPr lang="en-US" sz="1400" dirty="0" err="1">
+                          <a:effectLst/>
+                        </a:rPr>
+                        <a:t>Deffinbaugh</a:t>
+                      </a:r>
+                      <a:endParaRPr lang="en-US" sz="1400" dirty="0">
+                        <a:effectLst/>
+                        <a:latin typeface="Calibri" panose="020F0502020204030204" pitchFamily="34" charset="0"/>
+                        <a:ea typeface="Calibri" panose="020F0502020204030204" pitchFamily="34" charset="0"/>
+                        <a:cs typeface="Times New Roman" panose="02020603050405020304" pitchFamily="18" charset="0"/>
+                      </a:endParaRPr>
+                    </a:p>
+                  </a:txBody>
+                  <a:tcPr marL="26146" marR="26146" marT="0" marB="0"/>
+                </a:tc>
+              </a:tr>
+              <a:tr h="565214">
+                <a:tc>
+                  <a:txBody>
+                    <a:bodyPr/>
+                    <a:lstStyle/>
+                    <a:p>
+                      <a:pPr marL="0" marR="0">
+                        <a:lnSpc>
+                          <a:spcPct val="107000"/>
+                        </a:lnSpc>
+                        <a:spcBef>
+                          <a:spcPts val="0"/>
+                        </a:spcBef>
+                        <a:spcAft>
+                          <a:spcPts val="0"/>
+                        </a:spcAft>
+                      </a:pPr>
+                      <a:r>
+                        <a:rPr lang="en-US" sz="1400">
+                          <a:effectLst/>
+                        </a:rPr>
+                        <a:t>9</a:t>
+                      </a:r>
+                      <a:endParaRPr lang="en-US" sz="1400">
+                        <a:effectLst/>
+                        <a:latin typeface="Calibri" panose="020F0502020204030204" pitchFamily="34" charset="0"/>
+                        <a:ea typeface="Calibri" panose="020F0502020204030204" pitchFamily="34" charset="0"/>
+                        <a:cs typeface="Times New Roman" panose="02020603050405020304" pitchFamily="18" charset="0"/>
+                      </a:endParaRPr>
+                    </a:p>
+                  </a:txBody>
+                  <a:tcPr marL="26146" marR="26146" marT="0" marB="0"/>
+                </a:tc>
+                <a:tc>
+                  <a:txBody>
+                    <a:bodyPr/>
+                    <a:lstStyle/>
+                    <a:p>
+                      <a:pPr marL="0" marR="0">
+                        <a:lnSpc>
+                          <a:spcPct val="107000"/>
+                        </a:lnSpc>
+                        <a:spcBef>
+                          <a:spcPts val="0"/>
+                        </a:spcBef>
+                        <a:spcAft>
+                          <a:spcPts val="0"/>
+                        </a:spcAft>
+                      </a:pPr>
+                      <a:r>
+                        <a:rPr lang="en-US" sz="1400" dirty="0">
+                          <a:effectLst/>
+                        </a:rPr>
+                        <a:t>Find band biography</a:t>
+                      </a:r>
+                      <a:endParaRPr lang="en-US" sz="1400" dirty="0">
+                        <a:effectLst/>
+                        <a:latin typeface="Calibri" panose="020F0502020204030204" pitchFamily="34" charset="0"/>
+                        <a:ea typeface="Calibri" panose="020F0502020204030204" pitchFamily="34" charset="0"/>
+                        <a:cs typeface="Times New Roman" panose="02020603050405020304" pitchFamily="18" charset="0"/>
+                      </a:endParaRPr>
+                    </a:p>
+                  </a:txBody>
+                  <a:tcPr marL="26146" marR="26146" marT="0" marB="0"/>
+                </a:tc>
+                <a:tc>
+                  <a:txBody>
+                    <a:bodyPr/>
+                    <a:lstStyle/>
+                    <a:p>
+                      <a:pPr marL="0" marR="0">
+                        <a:lnSpc>
+                          <a:spcPct val="107000"/>
+                        </a:lnSpc>
+                        <a:spcBef>
+                          <a:spcPts val="0"/>
+                        </a:spcBef>
+                        <a:spcAft>
+                          <a:spcPts val="0"/>
+                        </a:spcAft>
+                      </a:pPr>
+                      <a:r>
+                        <a:rPr lang="en-US" sz="1400">
+                          <a:effectLst/>
+                        </a:rPr>
+                        <a:t>See biography of a band</a:t>
+                      </a:r>
+                      <a:endParaRPr lang="en-US" sz="1400">
+                        <a:effectLst/>
+                        <a:latin typeface="Calibri" panose="020F0502020204030204" pitchFamily="34" charset="0"/>
+                        <a:ea typeface="Calibri" panose="020F0502020204030204" pitchFamily="34" charset="0"/>
+                        <a:cs typeface="Times New Roman" panose="02020603050405020304" pitchFamily="18" charset="0"/>
+                      </a:endParaRPr>
+                    </a:p>
+                  </a:txBody>
+                  <a:tcPr marL="26146" marR="26146" marT="0" marB="0"/>
+                </a:tc>
+                <a:tc>
+                  <a:txBody>
+                    <a:bodyPr/>
+                    <a:lstStyle/>
+                    <a:p>
+                      <a:pPr marL="0" marR="0">
+                        <a:lnSpc>
+                          <a:spcPct val="107000"/>
+                        </a:lnSpc>
+                        <a:spcBef>
+                          <a:spcPts val="0"/>
+                        </a:spcBef>
+                        <a:spcAft>
+                          <a:spcPts val="0"/>
+                        </a:spcAft>
+                      </a:pPr>
+                      <a:r>
+                        <a:rPr lang="en-US" sz="1400">
+                          <a:effectLst/>
+                        </a:rPr>
+                        <a:t>Biography took a long time to find, but was found. Fixed runtime problem by loading biography only when needed.</a:t>
+                      </a:r>
+                      <a:endParaRPr lang="en-US" sz="1400">
+                        <a:effectLst/>
+                        <a:latin typeface="Calibri" panose="020F0502020204030204" pitchFamily="34" charset="0"/>
+                        <a:ea typeface="Calibri" panose="020F0502020204030204" pitchFamily="34" charset="0"/>
+                        <a:cs typeface="Times New Roman" panose="02020603050405020304" pitchFamily="18" charset="0"/>
+                      </a:endParaRPr>
+                    </a:p>
+                  </a:txBody>
+                  <a:tcPr marL="26146" marR="26146" marT="0" marB="0"/>
+                </a:tc>
+                <a:tc>
+                  <a:txBody>
+                    <a:bodyPr/>
+                    <a:lstStyle/>
+                    <a:p>
+                      <a:pPr marL="0" marR="0">
+                        <a:lnSpc>
+                          <a:spcPct val="107000"/>
+                        </a:lnSpc>
+                        <a:spcBef>
+                          <a:spcPts val="0"/>
+                        </a:spcBef>
+                        <a:spcAft>
+                          <a:spcPts val="0"/>
+                        </a:spcAft>
+                      </a:pPr>
+                      <a:r>
+                        <a:rPr lang="en-US" sz="1400" dirty="0">
+                          <a:effectLst/>
+                        </a:rPr>
+                        <a:t>24-Apr-16</a:t>
+                      </a:r>
+                      <a:endParaRPr lang="en-US" sz="1400" dirty="0">
+                        <a:effectLst/>
+                        <a:latin typeface="Calibri" panose="020F0502020204030204" pitchFamily="34" charset="0"/>
+                        <a:ea typeface="Calibri" panose="020F0502020204030204" pitchFamily="34" charset="0"/>
+                        <a:cs typeface="Times New Roman" panose="02020603050405020304" pitchFamily="18" charset="0"/>
+                      </a:endParaRPr>
+                    </a:p>
+                  </a:txBody>
+                  <a:tcPr marL="26146" marR="26146" marT="0" marB="0"/>
+                </a:tc>
+                <a:tc>
+                  <a:txBody>
+                    <a:bodyPr/>
+                    <a:lstStyle/>
+                    <a:p>
+                      <a:pPr marL="0" marR="0">
+                        <a:lnSpc>
+                          <a:spcPct val="107000"/>
+                        </a:lnSpc>
+                        <a:spcBef>
+                          <a:spcPts val="0"/>
+                        </a:spcBef>
+                        <a:spcAft>
+                          <a:spcPts val="0"/>
+                        </a:spcAft>
+                      </a:pPr>
+                      <a:r>
+                        <a:rPr lang="en-US" sz="1400" dirty="0">
+                          <a:effectLst/>
+                        </a:rPr>
+                        <a:t>Mitch Powell</a:t>
+                      </a:r>
+                      <a:endParaRPr lang="en-US" sz="1400" dirty="0">
+                        <a:effectLst/>
+                        <a:latin typeface="Calibri" panose="020F0502020204030204" pitchFamily="34" charset="0"/>
+                        <a:ea typeface="Calibri" panose="020F0502020204030204" pitchFamily="34" charset="0"/>
+                        <a:cs typeface="Times New Roman" panose="02020603050405020304" pitchFamily="18" charset="0"/>
+                      </a:endParaRPr>
+                    </a:p>
+                  </a:txBody>
+                  <a:tcPr marL="26146" marR="26146" marT="0" marB="0"/>
+                </a:tc>
+              </a:tr>
+            </a:tbl>
+          </a:graphicData>
+        </a:graphic>
+      </p:graphicFrame>
     </p:spTree>
     <p:extLst>
       <p:ext uri="{BB962C8B-B14F-4D97-AF65-F5344CB8AC3E}">
@@ -8704,7 +10666,86 @@
   <p:timing>
     <p:tnLst>
       <p:par>
-        <p:cTn id="1" dur="indefinite" restart="never" nodeType="tmRoot"/>
+        <p:cTn id="1" dur="indefinite" restart="never" nodeType="tmRoot">
+          <p:childTnLst>
+            <p:seq concurrent="1" nextAc="seek">
+              <p:cTn id="2" dur="indefinite" nodeType="mainSeq">
+                <p:childTnLst>
+                  <p:par>
+                    <p:cTn id="3" fill="hold">
+                      <p:stCondLst>
+                        <p:cond delay="indefinite"/>
+                        <p:cond evt="onBegin" delay="0">
+                          <p:tn val="2"/>
+                        </p:cond>
+                      </p:stCondLst>
+                      <p:childTnLst>
+                        <p:par>
+                          <p:cTn id="4" fill="hold">
+                            <p:stCondLst>
+                              <p:cond delay="0"/>
+                            </p:stCondLst>
+                            <p:childTnLst>
+                              <p:par>
+                                <p:cTn id="5" presetID="10" presetClass="entr" presetSubtype="0" fill="hold" nodeType="withEffect">
+                                  <p:stCondLst>
+                                    <p:cond delay="0"/>
+                                  </p:stCondLst>
+                                  <p:childTnLst>
+                                    <p:set>
+                                      <p:cBhvr>
+                                        <p:cTn id="6" dur="1" fill="hold">
+                                          <p:stCondLst>
+                                            <p:cond delay="0"/>
+                                          </p:stCondLst>
+                                        </p:cTn>
+                                        <p:tgtEl>
+                                          <p:spTgt spid="4"/>
+                                        </p:tgtEl>
+                                        <p:attrNameLst>
+                                          <p:attrName>style.visibility</p:attrName>
+                                        </p:attrNameLst>
+                                      </p:cBhvr>
+                                      <p:to>
+                                        <p:strVal val="visible"/>
+                                      </p:to>
+                                    </p:set>
+                                    <p:animEffect transition="in" filter="fade">
+                                      <p:cBhvr>
+                                        <p:cTn id="7" dur="500"/>
+                                        <p:tgtEl>
+                                          <p:spTgt spid="4"/>
+                                        </p:tgtEl>
+                                      </p:cBhvr>
+                                    </p:animEffect>
+                                  </p:childTnLst>
+                                </p:cTn>
+                              </p:par>
+                            </p:childTnLst>
+                          </p:cTn>
+                        </p:par>
+                      </p:childTnLst>
+                    </p:cTn>
+                  </p:par>
+                </p:childTnLst>
+              </p:cTn>
+              <p:prevCondLst>
+                <p:cond evt="onPrev" delay="0">
+                  <p:tgtEl>
+                    <p:sldTgt/>
+                  </p:tgtEl>
+                </p:cond>
+              </p:prevCondLst>
+              <p:nextCondLst>
+                <p:cond evt="onNext" delay="0">
+                  <p:tgtEl>
+                    <p:sldTgt/>
+                  </p:tgtEl>
+                </p:cond>
+              </p:nextCondLst>
+            </p:seq>
+          </p:childTnLst>
+        </p:cTn>
       </p:par>
     </p:tnLst>
   </p:timing>
